--- a/Gestion/S5_Revue1_2_Projet.pptx
+++ b/Gestion/S5_Revue1_2_Projet.pptx
@@ -5847,7 +5847,7 @@
       </p:grpSpPr>
       <p:sp>
         <p:nvSpPr>
-          <p:cNvPr id="2" name="Title 1"/>
+          <p:cNvPr id="18" name="Titre 1"/>
           <p:cNvSpPr>
             <a:spLocks noGrp="1"/>
           </p:cNvSpPr>
@@ -5857,45 +5857,30 @@
         </p:nvSpPr>
         <p:spPr>
           <a:xfrm>
-            <a:off x="1188091" y="903766"/>
-            <a:ext cx="7766936" cy="1956392"/>
+            <a:off x="2416818" y="2556381"/>
+            <a:ext cx="6858000" cy="1456135"/>
           </a:xfrm>
         </p:spPr>
         <p:txBody>
-          <a:bodyPr/>
+          <a:bodyPr>
+            <a:normAutofit/>
+          </a:bodyPr>
           <a:lstStyle/>
           <a:p>
             <a:pPr algn="ctr"/>
             <a:r>
-              <a:rPr lang="fr-CA" dirty="0">
+              <a:rPr lang="fr-CA" sz="4050" dirty="0">
                 <a:latin typeface="Arial" panose="020B0604020202020204" pitchFamily="34" charset="0"/>
                 <a:cs typeface="Arial" panose="020B0604020202020204" pitchFamily="34" charset="0"/>
               </a:rPr>
-              <a:t>Projet S5</a:t>
-            </a:r>
-            <a:br>
-              <a:rPr lang="fr-CA" dirty="0">
-                <a:latin typeface="Arial" panose="020B0604020202020204" pitchFamily="34" charset="0"/>
-                <a:cs typeface="Arial" panose="020B0604020202020204" pitchFamily="34" charset="0"/>
-              </a:rPr>
-            </a:br>
-            <a:r>
-              <a:rPr lang="fr-CA" dirty="0">
-                <a:latin typeface="Arial" panose="020B0604020202020204" pitchFamily="34" charset="0"/>
-                <a:cs typeface="Arial" panose="020B0604020202020204" pitchFamily="34" charset="0"/>
-              </a:rPr>
-              <a:t>Revue 1 &amp; 2</a:t>
-            </a:r>
-            <a:endParaRPr lang="en-CA" dirty="0">
-              <a:latin typeface="Arial" panose="020B0604020202020204" pitchFamily="34" charset="0"/>
-              <a:cs typeface="Arial" panose="020B0604020202020204" pitchFamily="34" charset="0"/>
-            </a:endParaRPr>
-          </a:p>
-        </p:txBody>
-      </p:sp>
-      <p:sp>
-        <p:nvSpPr>
-          <p:cNvPr id="3" name="Subtitle 2"/>
+              <a:t>Revue 1&amp;2</a:t>
+            </a:r>
+          </a:p>
+        </p:txBody>
+      </p:sp>
+      <p:sp>
+        <p:nvSpPr>
+          <p:cNvPr id="19" name="Sous-titre 2"/>
           <p:cNvSpPr>
             <a:spLocks noGrp="1"/>
           </p:cNvSpPr>
@@ -5905,8 +5890,8 @@
         </p:nvSpPr>
         <p:spPr>
           <a:xfrm>
-            <a:off x="1113662" y="3125801"/>
-            <a:ext cx="7766936" cy="1096899"/>
+            <a:off x="2416818" y="4403906"/>
+            <a:ext cx="6858000" cy="1241822"/>
           </a:xfrm>
         </p:spPr>
         <p:txBody>
@@ -5917,10 +5902,220 @@
           <a:p>
             <a:pPr algn="ctr"/>
             <a:r>
-              <a:rPr lang="fr-CA" sz="2400" dirty="0"/>
-              <a:t>Équipe P4</a:t>
-            </a:r>
-            <a:endParaRPr lang="en-CA" sz="2400" dirty="0"/>
+              <a:rPr lang="fr-CA" dirty="0"/>
+              <a:t>Par:</a:t>
+            </a:r>
+          </a:p>
+          <a:p>
+            <a:pPr algn="ctr"/>
+            <a:r>
+              <a:rPr lang="fr-CA" dirty="0"/>
+              <a:t>Équipe 4</a:t>
+            </a:r>
+          </a:p>
+        </p:txBody>
+      </p:sp>
+      <p:sp>
+        <p:nvSpPr>
+          <p:cNvPr id="20" name="Rectangle 2"/>
+          <p:cNvSpPr>
+            <a:spLocks noChangeArrowheads="1"/>
+          </p:cNvSpPr>
+          <p:nvPr/>
+        </p:nvSpPr>
+        <p:spPr bwMode="auto">
+          <a:xfrm>
+            <a:off x="1717165" y="1285056"/>
+            <a:ext cx="138564" cy="276999"/>
+          </a:xfrm>
+          <a:prstGeom prst="rect">
+            <a:avLst/>
+          </a:prstGeom>
+          <a:noFill/>
+          <a:ln>
+            <a:noFill/>
+          </a:ln>
+          <a:effectLst/>
+          <a:extLst>
+            <a:ext uri="{909E8E84-426E-40DD-AFC4-6F175D3DCCD1}">
+              <a14:hiddenFill xmlns:a14="http://schemas.microsoft.com/office/drawing/2010/main">
+                <a:solidFill>
+                  <a:schemeClr val="accent1"/>
+                </a:solidFill>
+              </a14:hiddenFill>
+            </a:ext>
+            <a:ext uri="{91240B29-F687-4F45-9708-019B960494DF}">
+              <a14:hiddenLine xmlns:a14="http://schemas.microsoft.com/office/drawing/2010/main" w="9525">
+                <a:solidFill>
+                  <a:schemeClr val="tx1"/>
+                </a:solidFill>
+                <a:miter lim="800000"/>
+                <a:headEnd/>
+                <a:tailEnd/>
+              </a14:hiddenLine>
+            </a:ext>
+            <a:ext uri="{AF507438-7753-43E0-B8FC-AC1667EBCBE1}">
+              <a14:hiddenEffects xmlns:a14="http://schemas.microsoft.com/office/drawing/2010/main">
+                <a:effectLst>
+                  <a:outerShdw dist="35921" dir="2700000" algn="ctr" rotWithShape="0">
+                    <a:schemeClr val="bg2"/>
+                  </a:outerShdw>
+                </a:effectLst>
+              </a14:hiddenEffects>
+            </a:ext>
+          </a:extLst>
+        </p:spPr>
+        <p:txBody>
+          <a:bodyPr vert="horz" wrap="none" lIns="68580" tIns="34290" rIns="68580" bIns="34290" numCol="1" anchor="ctr" anchorCtr="0" compatLnSpc="1">
+            <a:prstTxWarp prst="textNoShape">
+              <a:avLst/>
+            </a:prstTxWarp>
+            <a:spAutoFit/>
+          </a:bodyPr>
+          <a:lstStyle/>
+          <a:p>
+            <a:endParaRPr lang="fr-CA" sz="1350"/>
+          </a:p>
+        </p:txBody>
+      </p:sp>
+      <p:pic>
+        <p:nvPicPr>
+          <p:cNvPr id="21" name="Picture 1" descr="usherbrooke"/>
+          <p:cNvPicPr>
+            <a:picLocks noChangeAspect="1" noChangeArrowheads="1"/>
+          </p:cNvPicPr>
+          <p:nvPr/>
+        </p:nvPicPr>
+        <p:blipFill>
+          <a:blip r:embed="rId2" cstate="print">
+            <a:extLst>
+              <a:ext uri="{28A0092B-C50C-407E-A947-70E740481C1C}">
+                <a14:useLocalDpi xmlns:a14="http://schemas.microsoft.com/office/drawing/2010/main" val="0"/>
+              </a:ext>
+            </a:extLst>
+          </a:blip>
+          <a:srcRect/>
+          <a:stretch>
+            <a:fillRect/>
+          </a:stretch>
+        </p:blipFill>
+        <p:spPr bwMode="auto">
+          <a:xfrm>
+            <a:off x="4005227" y="1252105"/>
+            <a:ext cx="3681182" cy="625890"/>
+          </a:xfrm>
+          <a:prstGeom prst="rect">
+            <a:avLst/>
+          </a:prstGeom>
+          <a:noFill/>
+          <a:extLst>
+            <a:ext uri="{909E8E84-426E-40DD-AFC4-6F175D3DCCD1}">
+              <a14:hiddenFill xmlns:a14="http://schemas.microsoft.com/office/drawing/2010/main">
+                <a:solidFill>
+                  <a:srgbClr val="FFFFFF"/>
+                </a:solidFill>
+              </a14:hiddenFill>
+            </a:ext>
+          </a:extLst>
+        </p:spPr>
+      </p:pic>
+      <p:sp>
+        <p:nvSpPr>
+          <p:cNvPr id="22" name="Rectangle 3"/>
+          <p:cNvSpPr>
+            <a:spLocks noChangeArrowheads="1"/>
+          </p:cNvSpPr>
+          <p:nvPr/>
+        </p:nvSpPr>
+        <p:spPr bwMode="auto">
+          <a:xfrm>
+            <a:off x="4472525" y="1879891"/>
+            <a:ext cx="2746586" cy="346249"/>
+          </a:xfrm>
+          <a:prstGeom prst="rect">
+            <a:avLst/>
+          </a:prstGeom>
+          <a:noFill/>
+          <a:ln>
+            <a:noFill/>
+          </a:ln>
+          <a:effectLst/>
+          <a:extLst>
+            <a:ext uri="{909E8E84-426E-40DD-AFC4-6F175D3DCCD1}">
+              <a14:hiddenFill xmlns:a14="http://schemas.microsoft.com/office/drawing/2010/main">
+                <a:solidFill>
+                  <a:schemeClr val="accent1"/>
+                </a:solidFill>
+              </a14:hiddenFill>
+            </a:ext>
+            <a:ext uri="{91240B29-F687-4F45-9708-019B960494DF}">
+              <a14:hiddenLine xmlns:a14="http://schemas.microsoft.com/office/drawing/2010/main" w="9525">
+                <a:solidFill>
+                  <a:schemeClr val="tx1"/>
+                </a:solidFill>
+                <a:miter lim="800000"/>
+                <a:headEnd/>
+                <a:tailEnd/>
+              </a14:hiddenLine>
+            </a:ext>
+            <a:ext uri="{AF507438-7753-43E0-B8FC-AC1667EBCBE1}">
+              <a14:hiddenEffects xmlns:a14="http://schemas.microsoft.com/office/drawing/2010/main">
+                <a:effectLst>
+                  <a:outerShdw dist="35921" dir="2700000" algn="ctr" rotWithShape="0">
+                    <a:schemeClr val="bg2"/>
+                  </a:outerShdw>
+                </a:effectLst>
+              </a14:hiddenEffects>
+            </a:ext>
+          </a:extLst>
+        </p:spPr>
+        <p:txBody>
+          <a:bodyPr vert="horz" wrap="none" lIns="68580" tIns="34290" rIns="68580" bIns="34290" numCol="1" anchor="ctr" anchorCtr="0" compatLnSpc="1">
+            <a:prstTxWarp prst="textNoShape">
+              <a:avLst/>
+            </a:prstTxWarp>
+            <a:spAutoFit/>
+          </a:bodyPr>
+          <a:lstStyle/>
+          <a:p>
+            <a:pPr algn="ctr" defTabSz="685800" eaLnBrk="0" fontAlgn="base" hangingPunct="0">
+              <a:spcBef>
+                <a:spcPct val="0"/>
+              </a:spcBef>
+              <a:spcAft>
+                <a:spcPct val="0"/>
+              </a:spcAft>
+            </a:pPr>
+            <a:r>
+              <a:rPr lang="fr-CA" altLang="fr-FR" sz="900" dirty="0">
+                <a:latin typeface="Calibri" panose="020F0502020204030204" pitchFamily="34" charset="0"/>
+                <a:ea typeface="Times New Roman" panose="02020603050405020304" pitchFamily="18" charset="0"/>
+                <a:cs typeface="Times New Roman" panose="02020603050405020304" pitchFamily="18" charset="0"/>
+              </a:rPr>
+              <a:t>Faculté de génie</a:t>
+            </a:r>
+            <a:endParaRPr lang="fr-CA" altLang="fr-FR" sz="600" dirty="0"/>
+          </a:p>
+          <a:p>
+            <a:pPr algn="ctr" defTabSz="685800" eaLnBrk="0" fontAlgn="base" hangingPunct="0">
+              <a:spcBef>
+                <a:spcPct val="0"/>
+              </a:spcBef>
+              <a:spcAft>
+                <a:spcPct val="0"/>
+              </a:spcAft>
+            </a:pPr>
+            <a:r>
+              <a:rPr lang="fr-CA" altLang="fr-FR" sz="900" dirty="0">
+                <a:latin typeface="Calibri" panose="020F0502020204030204" pitchFamily="34" charset="0"/>
+                <a:ea typeface="Times New Roman" panose="02020603050405020304" pitchFamily="18" charset="0"/>
+                <a:cs typeface="Times New Roman" panose="02020603050405020304" pitchFamily="18" charset="0"/>
+              </a:rPr>
+              <a:t>Département de génie électrique et génie informatique</a:t>
+            </a:r>
+            <a:endParaRPr lang="fr-CA" altLang="fr-FR" sz="1350" dirty="0">
+              <a:latin typeface="Arial" panose="020B0604020202020204" pitchFamily="34" charset="0"/>
+            </a:endParaRPr>
           </a:p>
         </p:txBody>
       </p:sp>

--- a/Gestion/S5_Revue1_2_Projet.pptx
+++ b/Gestion/S5_Revue1_2_Projet.pptx
@@ -4,6 +4,9 @@
   <p:sldMasterIdLst>
     <p:sldMasterId id="2147483754" r:id="rId1"/>
   </p:sldMasterIdLst>
+  <p:notesMasterIdLst>
+    <p:notesMasterId r:id="rId19"/>
+  </p:notesMasterIdLst>
   <p:sldIdLst>
     <p:sldId id="256" r:id="rId2"/>
     <p:sldId id="257" r:id="rId3"/>
@@ -12,11 +15,16 @@
     <p:sldId id="297" r:id="rId6"/>
     <p:sldId id="298" r:id="rId7"/>
     <p:sldId id="300" r:id="rId8"/>
-    <p:sldId id="301" r:id="rId9"/>
-    <p:sldId id="302" r:id="rId10"/>
-    <p:sldId id="303" r:id="rId11"/>
-    <p:sldId id="304" r:id="rId12"/>
-    <p:sldId id="305" r:id="rId13"/>
+    <p:sldId id="307" r:id="rId9"/>
+    <p:sldId id="306" r:id="rId10"/>
+    <p:sldId id="308" r:id="rId11"/>
+    <p:sldId id="309" r:id="rId12"/>
+    <p:sldId id="310" r:id="rId13"/>
+    <p:sldId id="301" r:id="rId14"/>
+    <p:sldId id="302" r:id="rId15"/>
+    <p:sldId id="303" r:id="rId16"/>
+    <p:sldId id="304" r:id="rId17"/>
+    <p:sldId id="305" r:id="rId18"/>
   </p:sldIdLst>
   <p:sldSz cx="12192000" cy="6858000"/>
   <p:notesSz cx="6858000" cy="9144000"/>
@@ -121,6 +129,356 @@
     </p:ext>
   </p:extLst>
 </p:presentation>
+</file>
+
+<file path=ppt/notesMasters/notesMaster1.xml><?xml version="1.0" encoding="utf-8"?>
+<p:notesMaster xmlns:a="http://schemas.openxmlformats.org/drawingml/2006/main" xmlns:r="http://schemas.openxmlformats.org/officeDocument/2006/relationships" xmlns:p="http://schemas.openxmlformats.org/presentationml/2006/main">
+  <p:cSld>
+    <p:bg>
+      <p:bgRef idx="1001">
+        <a:schemeClr val="bg1"/>
+      </p:bgRef>
+    </p:bg>
+    <p:spTree>
+      <p:nvGrpSpPr>
+        <p:cNvPr id="1" name=""/>
+        <p:cNvGrpSpPr/>
+        <p:nvPr/>
+      </p:nvGrpSpPr>
+      <p:grpSpPr>
+        <a:xfrm>
+          <a:off x="0" y="0"/>
+          <a:ext cx="0" cy="0"/>
+          <a:chOff x="0" y="0"/>
+          <a:chExt cx="0" cy="0"/>
+        </a:xfrm>
+      </p:grpSpPr>
+      <p:sp>
+        <p:nvSpPr>
+          <p:cNvPr id="2" name="Header Placeholder 1"/>
+          <p:cNvSpPr>
+            <a:spLocks noGrp="1"/>
+          </p:cNvSpPr>
+          <p:nvPr>
+            <p:ph type="hdr" sz="quarter"/>
+          </p:nvPr>
+        </p:nvSpPr>
+        <p:spPr>
+          <a:xfrm>
+            <a:off x="0" y="0"/>
+            <a:ext cx="2971800" cy="458788"/>
+          </a:xfrm>
+          <a:prstGeom prst="rect">
+            <a:avLst/>
+          </a:prstGeom>
+        </p:spPr>
+        <p:txBody>
+          <a:bodyPr vert="horz" lIns="91440" tIns="45720" rIns="91440" bIns="45720" rtlCol="0"/>
+          <a:lstStyle>
+            <a:lvl1pPr algn="l">
+              <a:defRPr sz="1200"/>
+            </a:lvl1pPr>
+          </a:lstStyle>
+          <a:p>
+            <a:endParaRPr lang="fr-CA"/>
+          </a:p>
+        </p:txBody>
+      </p:sp>
+      <p:sp>
+        <p:nvSpPr>
+          <p:cNvPr id="3" name="Date Placeholder 2"/>
+          <p:cNvSpPr>
+            <a:spLocks noGrp="1"/>
+          </p:cNvSpPr>
+          <p:nvPr>
+            <p:ph type="dt" idx="1"/>
+          </p:nvPr>
+        </p:nvSpPr>
+        <p:spPr>
+          <a:xfrm>
+            <a:off x="3884613" y="0"/>
+            <a:ext cx="2971800" cy="458788"/>
+          </a:xfrm>
+          <a:prstGeom prst="rect">
+            <a:avLst/>
+          </a:prstGeom>
+        </p:spPr>
+        <p:txBody>
+          <a:bodyPr vert="horz" lIns="91440" tIns="45720" rIns="91440" bIns="45720" rtlCol="0"/>
+          <a:lstStyle>
+            <a:lvl1pPr algn="r">
+              <a:defRPr sz="1200"/>
+            </a:lvl1pPr>
+          </a:lstStyle>
+          <a:p>
+            <a:fld id="{F2422464-E107-4C64-9EB3-796BED01374E}" type="datetimeFigureOut">
+              <a:rPr lang="fr-CA" smtClean="0"/>
+              <a:t>2017-02-20</a:t>
+            </a:fld>
+            <a:endParaRPr lang="fr-CA"/>
+          </a:p>
+        </p:txBody>
+      </p:sp>
+      <p:sp>
+        <p:nvSpPr>
+          <p:cNvPr id="4" name="Slide Image Placeholder 3"/>
+          <p:cNvSpPr>
+            <a:spLocks noGrp="1" noRot="1" noChangeAspect="1"/>
+          </p:cNvSpPr>
+          <p:nvPr>
+            <p:ph type="sldImg" idx="2"/>
+          </p:nvPr>
+        </p:nvSpPr>
+        <p:spPr>
+          <a:xfrm>
+            <a:off x="685800" y="1143000"/>
+            <a:ext cx="5486400" cy="3086100"/>
+          </a:xfrm>
+          <a:prstGeom prst="rect">
+            <a:avLst/>
+          </a:prstGeom>
+          <a:noFill/>
+          <a:ln w="12700">
+            <a:solidFill>
+              <a:prstClr val="black"/>
+            </a:solidFill>
+          </a:ln>
+        </p:spPr>
+        <p:txBody>
+          <a:bodyPr vert="horz" lIns="91440" tIns="45720" rIns="91440" bIns="45720" rtlCol="0" anchor="ctr"/>
+          <a:lstStyle/>
+          <a:p>
+            <a:endParaRPr lang="fr-CA"/>
+          </a:p>
+        </p:txBody>
+      </p:sp>
+      <p:sp>
+        <p:nvSpPr>
+          <p:cNvPr id="5" name="Notes Placeholder 4"/>
+          <p:cNvSpPr>
+            <a:spLocks noGrp="1"/>
+          </p:cNvSpPr>
+          <p:nvPr>
+            <p:ph type="body" sz="quarter" idx="3"/>
+          </p:nvPr>
+        </p:nvSpPr>
+        <p:spPr>
+          <a:xfrm>
+            <a:off x="685800" y="4400550"/>
+            <a:ext cx="5486400" cy="3600450"/>
+          </a:xfrm>
+          <a:prstGeom prst="rect">
+            <a:avLst/>
+          </a:prstGeom>
+        </p:spPr>
+        <p:txBody>
+          <a:bodyPr vert="horz" lIns="91440" tIns="45720" rIns="91440" bIns="45720" rtlCol="0"/>
+          <a:lstStyle/>
+          <a:p>
+            <a:pPr lvl="0"/>
+            <a:r>
+              <a:rPr lang="en-US"/>
+              <a:t>Edit Master text styles</a:t>
+            </a:r>
+          </a:p>
+          <a:p>
+            <a:pPr lvl="1"/>
+            <a:r>
+              <a:rPr lang="en-US"/>
+              <a:t>Second level</a:t>
+            </a:r>
+          </a:p>
+          <a:p>
+            <a:pPr lvl="2"/>
+            <a:r>
+              <a:rPr lang="en-US"/>
+              <a:t>Third level</a:t>
+            </a:r>
+          </a:p>
+          <a:p>
+            <a:pPr lvl="3"/>
+            <a:r>
+              <a:rPr lang="en-US"/>
+              <a:t>Fourth level</a:t>
+            </a:r>
+          </a:p>
+          <a:p>
+            <a:pPr lvl="4"/>
+            <a:r>
+              <a:rPr lang="en-US"/>
+              <a:t>Fifth level</a:t>
+            </a:r>
+            <a:endParaRPr lang="fr-CA"/>
+          </a:p>
+        </p:txBody>
+      </p:sp>
+      <p:sp>
+        <p:nvSpPr>
+          <p:cNvPr id="6" name="Footer Placeholder 5"/>
+          <p:cNvSpPr>
+            <a:spLocks noGrp="1"/>
+          </p:cNvSpPr>
+          <p:nvPr>
+            <p:ph type="ftr" sz="quarter" idx="4"/>
+          </p:nvPr>
+        </p:nvSpPr>
+        <p:spPr>
+          <a:xfrm>
+            <a:off x="0" y="8685213"/>
+            <a:ext cx="2971800" cy="458787"/>
+          </a:xfrm>
+          <a:prstGeom prst="rect">
+            <a:avLst/>
+          </a:prstGeom>
+        </p:spPr>
+        <p:txBody>
+          <a:bodyPr vert="horz" lIns="91440" tIns="45720" rIns="91440" bIns="45720" rtlCol="0" anchor="b"/>
+          <a:lstStyle>
+            <a:lvl1pPr algn="l">
+              <a:defRPr sz="1200"/>
+            </a:lvl1pPr>
+          </a:lstStyle>
+          <a:p>
+            <a:endParaRPr lang="fr-CA"/>
+          </a:p>
+        </p:txBody>
+      </p:sp>
+      <p:sp>
+        <p:nvSpPr>
+          <p:cNvPr id="7" name="Slide Number Placeholder 6"/>
+          <p:cNvSpPr>
+            <a:spLocks noGrp="1"/>
+          </p:cNvSpPr>
+          <p:nvPr>
+            <p:ph type="sldNum" sz="quarter" idx="5"/>
+          </p:nvPr>
+        </p:nvSpPr>
+        <p:spPr>
+          <a:xfrm>
+            <a:off x="3884613" y="8685213"/>
+            <a:ext cx="2971800" cy="458787"/>
+          </a:xfrm>
+          <a:prstGeom prst="rect">
+            <a:avLst/>
+          </a:prstGeom>
+        </p:spPr>
+        <p:txBody>
+          <a:bodyPr vert="horz" lIns="91440" tIns="45720" rIns="91440" bIns="45720" rtlCol="0" anchor="b"/>
+          <a:lstStyle>
+            <a:lvl1pPr algn="r">
+              <a:defRPr sz="1200"/>
+            </a:lvl1pPr>
+          </a:lstStyle>
+          <a:p>
+            <a:fld id="{67F30EE0-439E-446A-BEF4-37E4C952391F}" type="slidenum">
+              <a:rPr lang="fr-CA" smtClean="0"/>
+              <a:t>‹#›</a:t>
+            </a:fld>
+            <a:endParaRPr lang="fr-CA"/>
+          </a:p>
+        </p:txBody>
+      </p:sp>
+    </p:spTree>
+    <p:extLst>
+      <p:ext uri="{BB962C8B-B14F-4D97-AF65-F5344CB8AC3E}">
+        <p14:creationId xmlns:p14="http://schemas.microsoft.com/office/powerpoint/2010/main" val="3918365454"/>
+      </p:ext>
+    </p:extLst>
+  </p:cSld>
+  <p:clrMap bg1="lt1" tx1="dk1" bg2="lt2" tx2="dk2" accent1="accent1" accent2="accent2" accent3="accent3" accent4="accent4" accent5="accent5" accent6="accent6" hlink="hlink" folHlink="folHlink"/>
+  <p:notesStyle>
+    <a:lvl1pPr marL="0" algn="l" defTabSz="914400" rtl="0" eaLnBrk="1" latinLnBrk="0" hangingPunct="1">
+      <a:defRPr sz="1200" kern="1200">
+        <a:solidFill>
+          <a:schemeClr val="tx1"/>
+        </a:solidFill>
+        <a:latin typeface="+mn-lt"/>
+        <a:ea typeface="+mn-ea"/>
+        <a:cs typeface="+mn-cs"/>
+      </a:defRPr>
+    </a:lvl1pPr>
+    <a:lvl2pPr marL="457200" algn="l" defTabSz="914400" rtl="0" eaLnBrk="1" latinLnBrk="0" hangingPunct="1">
+      <a:defRPr sz="1200" kern="1200">
+        <a:solidFill>
+          <a:schemeClr val="tx1"/>
+        </a:solidFill>
+        <a:latin typeface="+mn-lt"/>
+        <a:ea typeface="+mn-ea"/>
+        <a:cs typeface="+mn-cs"/>
+      </a:defRPr>
+    </a:lvl2pPr>
+    <a:lvl3pPr marL="914400" algn="l" defTabSz="914400" rtl="0" eaLnBrk="1" latinLnBrk="0" hangingPunct="1">
+      <a:defRPr sz="1200" kern="1200">
+        <a:solidFill>
+          <a:schemeClr val="tx1"/>
+        </a:solidFill>
+        <a:latin typeface="+mn-lt"/>
+        <a:ea typeface="+mn-ea"/>
+        <a:cs typeface="+mn-cs"/>
+      </a:defRPr>
+    </a:lvl3pPr>
+    <a:lvl4pPr marL="1371600" algn="l" defTabSz="914400" rtl="0" eaLnBrk="1" latinLnBrk="0" hangingPunct="1">
+      <a:defRPr sz="1200" kern="1200">
+        <a:solidFill>
+          <a:schemeClr val="tx1"/>
+        </a:solidFill>
+        <a:latin typeface="+mn-lt"/>
+        <a:ea typeface="+mn-ea"/>
+        <a:cs typeface="+mn-cs"/>
+      </a:defRPr>
+    </a:lvl4pPr>
+    <a:lvl5pPr marL="1828800" algn="l" defTabSz="914400" rtl="0" eaLnBrk="1" latinLnBrk="0" hangingPunct="1">
+      <a:defRPr sz="1200" kern="1200">
+        <a:solidFill>
+          <a:schemeClr val="tx1"/>
+        </a:solidFill>
+        <a:latin typeface="+mn-lt"/>
+        <a:ea typeface="+mn-ea"/>
+        <a:cs typeface="+mn-cs"/>
+      </a:defRPr>
+    </a:lvl5pPr>
+    <a:lvl6pPr marL="2286000" algn="l" defTabSz="914400" rtl="0" eaLnBrk="1" latinLnBrk="0" hangingPunct="1">
+      <a:defRPr sz="1200" kern="1200">
+        <a:solidFill>
+          <a:schemeClr val="tx1"/>
+        </a:solidFill>
+        <a:latin typeface="+mn-lt"/>
+        <a:ea typeface="+mn-ea"/>
+        <a:cs typeface="+mn-cs"/>
+      </a:defRPr>
+    </a:lvl6pPr>
+    <a:lvl7pPr marL="2743200" algn="l" defTabSz="914400" rtl="0" eaLnBrk="1" latinLnBrk="0" hangingPunct="1">
+      <a:defRPr sz="1200" kern="1200">
+        <a:solidFill>
+          <a:schemeClr val="tx1"/>
+        </a:solidFill>
+        <a:latin typeface="+mn-lt"/>
+        <a:ea typeface="+mn-ea"/>
+        <a:cs typeface="+mn-cs"/>
+      </a:defRPr>
+    </a:lvl7pPr>
+    <a:lvl8pPr marL="3200400" algn="l" defTabSz="914400" rtl="0" eaLnBrk="1" latinLnBrk="0" hangingPunct="1">
+      <a:defRPr sz="1200" kern="1200">
+        <a:solidFill>
+          <a:schemeClr val="tx1"/>
+        </a:solidFill>
+        <a:latin typeface="+mn-lt"/>
+        <a:ea typeface="+mn-ea"/>
+        <a:cs typeface="+mn-cs"/>
+      </a:defRPr>
+    </a:lvl8pPr>
+    <a:lvl9pPr marL="3657600" algn="l" defTabSz="914400" rtl="0" eaLnBrk="1" latinLnBrk="0" hangingPunct="1">
+      <a:defRPr sz="1200" kern="1200">
+        <a:solidFill>
+          <a:schemeClr val="tx1"/>
+        </a:solidFill>
+        <a:latin typeface="+mn-lt"/>
+        <a:ea typeface="+mn-ea"/>
+        <a:cs typeface="+mn-cs"/>
+      </a:defRPr>
+    </a:lvl9pPr>
+  </p:notesStyle>
+</p:notesMaster>
 </file>
 
 <file path=ppt/slideLayouts/slideLayout1.xml><?xml version="1.0" encoding="utf-8"?>
@@ -843,9 +1201,9 @@
           <a:bodyPr/>
           <a:lstStyle/>
           <a:p>
-            <a:fld id="{BE28C888-FE49-4D7A-8A13-DC359419DA98}" type="datetimeFigureOut">
+            <a:fld id="{79D8EA0D-2AB1-4324-B144-647AA6EF7CF3}" type="datetime1">
               <a:rPr lang="en-CA" smtClean="0"/>
-              <a:t>2017-02-14</a:t>
+              <a:t>2017-02-20</a:t>
             </a:fld>
             <a:endParaRPr lang="en-CA"/>
           </a:p>
@@ -887,7 +1245,7 @@
           <a:p>
             <a:fld id="{E733B697-11A6-4686-A4B0-BC7222BD8556}" type="slidenum">
               <a:rPr lang="en-CA" smtClean="0"/>
-              <a:t>‹N°›</a:t>
+              <a:t>‹#›</a:t>
             </a:fld>
             <a:endParaRPr lang="en-CA"/>
           </a:p>
@@ -1094,9 +1452,9 @@
           <a:bodyPr/>
           <a:lstStyle/>
           <a:p>
-            <a:fld id="{BE28C888-FE49-4D7A-8A13-DC359419DA98}" type="datetimeFigureOut">
+            <a:fld id="{1F70A281-AA8B-4EE8-B74D-02E497559605}" type="datetime1">
               <a:rPr lang="en-CA" smtClean="0"/>
-              <a:t>2017-02-14</a:t>
+              <a:t>2017-02-20</a:t>
             </a:fld>
             <a:endParaRPr lang="en-CA"/>
           </a:p>
@@ -1138,7 +1496,7 @@
           <a:p>
             <a:fld id="{E733B697-11A6-4686-A4B0-BC7222BD8556}" type="slidenum">
               <a:rPr lang="en-CA" smtClean="0"/>
-              <a:t>‹N°›</a:t>
+              <a:t>‹#›</a:t>
             </a:fld>
             <a:endParaRPr lang="en-CA"/>
           </a:p>
@@ -1408,9 +1766,9 @@
           <a:bodyPr/>
           <a:lstStyle/>
           <a:p>
-            <a:fld id="{BE28C888-FE49-4D7A-8A13-DC359419DA98}" type="datetimeFigureOut">
+            <a:fld id="{E33528F3-57E0-4E01-975F-B3D52876E2E9}" type="datetime1">
               <a:rPr lang="en-CA" smtClean="0"/>
-              <a:t>2017-02-14</a:t>
+              <a:t>2017-02-20</a:t>
             </a:fld>
             <a:endParaRPr lang="en-CA"/>
           </a:p>
@@ -1452,7 +1810,7 @@
           <a:p>
             <a:fld id="{E733B697-11A6-4686-A4B0-BC7222BD8556}" type="slidenum">
               <a:rPr lang="en-CA" smtClean="0"/>
-              <a:t>‹N°›</a:t>
+              <a:t>‹#›</a:t>
             </a:fld>
             <a:endParaRPr lang="en-CA"/>
           </a:p>
@@ -1749,9 +2107,9 @@
           <a:bodyPr/>
           <a:lstStyle/>
           <a:p>
-            <a:fld id="{BE28C888-FE49-4D7A-8A13-DC359419DA98}" type="datetimeFigureOut">
+            <a:fld id="{6FC38DAB-FFEE-4403-925E-67B9B9F287FD}" type="datetime1">
               <a:rPr lang="en-CA" smtClean="0"/>
-              <a:t>2017-02-14</a:t>
+              <a:t>2017-02-20</a:t>
             </a:fld>
             <a:endParaRPr lang="en-CA"/>
           </a:p>
@@ -1793,7 +2151,7 @@
           <a:p>
             <a:fld id="{E733B697-11A6-4686-A4B0-BC7222BD8556}" type="slidenum">
               <a:rPr lang="en-CA" smtClean="0"/>
-              <a:t>‹N°›</a:t>
+              <a:t>‹#›</a:t>
             </a:fld>
             <a:endParaRPr lang="en-CA"/>
           </a:p>
@@ -2063,9 +2421,9 @@
           <a:bodyPr/>
           <a:lstStyle/>
           <a:p>
-            <a:fld id="{BE28C888-FE49-4D7A-8A13-DC359419DA98}" type="datetimeFigureOut">
+            <a:fld id="{F38F7E4C-0870-407A-843B-229415955D56}" type="datetime1">
               <a:rPr lang="en-CA" smtClean="0"/>
-              <a:t>2017-02-14</a:t>
+              <a:t>2017-02-20</a:t>
             </a:fld>
             <a:endParaRPr lang="en-CA"/>
           </a:p>
@@ -2107,7 +2465,7 @@
           <a:p>
             <a:fld id="{E733B697-11A6-4686-A4B0-BC7222BD8556}" type="slidenum">
               <a:rPr lang="en-CA" smtClean="0"/>
-              <a:t>‹N°›</a:t>
+              <a:t>‹#›</a:t>
             </a:fld>
             <a:endParaRPr lang="en-CA"/>
           </a:p>
@@ -2456,9 +2814,9 @@
           <a:bodyPr/>
           <a:lstStyle/>
           <a:p>
-            <a:fld id="{BE28C888-FE49-4D7A-8A13-DC359419DA98}" type="datetimeFigureOut">
+            <a:fld id="{88773B92-13EF-463A-8812-FC27285C45AC}" type="datetime1">
               <a:rPr lang="en-CA" smtClean="0"/>
-              <a:t>2017-02-14</a:t>
+              <a:t>2017-02-20</a:t>
             </a:fld>
             <a:endParaRPr lang="en-CA"/>
           </a:p>
@@ -2500,7 +2858,7 @@
           <a:p>
             <a:fld id="{E733B697-11A6-4686-A4B0-BC7222BD8556}" type="slidenum">
               <a:rPr lang="en-CA" smtClean="0"/>
-              <a:t>‹N°›</a:t>
+              <a:t>‹#›</a:t>
             </a:fld>
             <a:endParaRPr lang="en-CA"/>
           </a:p>
@@ -2626,9 +2984,9 @@
           <a:bodyPr/>
           <a:lstStyle/>
           <a:p>
-            <a:fld id="{BE28C888-FE49-4D7A-8A13-DC359419DA98}" type="datetimeFigureOut">
+            <a:fld id="{B908AEF1-00B8-493C-AF97-1631B3DADB57}" type="datetime1">
               <a:rPr lang="en-CA" smtClean="0"/>
-              <a:t>2017-02-14</a:t>
+              <a:t>2017-02-20</a:t>
             </a:fld>
             <a:endParaRPr lang="en-CA"/>
           </a:p>
@@ -2670,7 +3028,7 @@
           <a:p>
             <a:fld id="{E733B697-11A6-4686-A4B0-BC7222BD8556}" type="slidenum">
               <a:rPr lang="en-CA" smtClean="0"/>
-              <a:t>‹N°›</a:t>
+              <a:t>‹#›</a:t>
             </a:fld>
             <a:endParaRPr lang="en-CA"/>
           </a:p>
@@ -2806,9 +3164,9 @@
           <a:bodyPr/>
           <a:lstStyle/>
           <a:p>
-            <a:fld id="{BE28C888-FE49-4D7A-8A13-DC359419DA98}" type="datetimeFigureOut">
+            <a:fld id="{44818849-21AE-40CB-9592-0A90204C86DB}" type="datetime1">
               <a:rPr lang="en-CA" smtClean="0"/>
-              <a:t>2017-02-14</a:t>
+              <a:t>2017-02-20</a:t>
             </a:fld>
             <a:endParaRPr lang="en-CA"/>
           </a:p>
@@ -2850,7 +3208,7 @@
           <a:p>
             <a:fld id="{E733B697-11A6-4686-A4B0-BC7222BD8556}" type="slidenum">
               <a:rPr lang="en-CA" smtClean="0"/>
-              <a:t>‹N°›</a:t>
+              <a:t>‹#›</a:t>
             </a:fld>
             <a:endParaRPr lang="en-CA"/>
           </a:p>
@@ -2982,9 +3340,9 @@
           <a:bodyPr/>
           <a:lstStyle/>
           <a:p>
-            <a:fld id="{BE28C888-FE49-4D7A-8A13-DC359419DA98}" type="datetimeFigureOut">
+            <a:fld id="{F813F3CF-C8C7-43A0-8192-B3A124CD606C}" type="datetime1">
               <a:rPr lang="en-CA" smtClean="0"/>
-              <a:t>2017-02-14</a:t>
+              <a:t>2017-02-20</a:t>
             </a:fld>
             <a:endParaRPr lang="en-CA"/>
           </a:p>
@@ -3026,7 +3384,7 @@
           <a:p>
             <a:fld id="{E733B697-11A6-4686-A4B0-BC7222BD8556}" type="slidenum">
               <a:rPr lang="en-CA" smtClean="0"/>
-              <a:t>‹N°›</a:t>
+              <a:t>‹#›</a:t>
             </a:fld>
             <a:endParaRPr lang="en-CA"/>
           </a:p>
@@ -3229,9 +3587,9 @@
           <a:bodyPr/>
           <a:lstStyle/>
           <a:p>
-            <a:fld id="{BE28C888-FE49-4D7A-8A13-DC359419DA98}" type="datetimeFigureOut">
+            <a:fld id="{F5654E2E-4869-4411-AD23-A4C574A327E2}" type="datetime1">
               <a:rPr lang="en-CA" smtClean="0"/>
-              <a:t>2017-02-14</a:t>
+              <a:t>2017-02-20</a:t>
             </a:fld>
             <a:endParaRPr lang="en-CA"/>
           </a:p>
@@ -3273,7 +3631,7 @@
           <a:p>
             <a:fld id="{E733B697-11A6-4686-A4B0-BC7222BD8556}" type="slidenum">
               <a:rPr lang="en-CA" smtClean="0"/>
-              <a:t>‹N°›</a:t>
+              <a:t>‹#›</a:t>
             </a:fld>
             <a:endParaRPr lang="en-CA"/>
           </a:p>
@@ -3461,9 +3819,9 @@
           <a:bodyPr/>
           <a:lstStyle/>
           <a:p>
-            <a:fld id="{BE28C888-FE49-4D7A-8A13-DC359419DA98}" type="datetimeFigureOut">
+            <a:fld id="{A1511D56-DAD8-4440-BF20-E9FB8CB16321}" type="datetime1">
               <a:rPr lang="en-CA" smtClean="0"/>
-              <a:t>2017-02-14</a:t>
+              <a:t>2017-02-20</a:t>
             </a:fld>
             <a:endParaRPr lang="en-CA"/>
           </a:p>
@@ -3505,7 +3863,7 @@
           <a:p>
             <a:fld id="{E733B697-11A6-4686-A4B0-BC7222BD8556}" type="slidenum">
               <a:rPr lang="en-CA" smtClean="0"/>
-              <a:t>‹N°›</a:t>
+              <a:t>‹#›</a:t>
             </a:fld>
             <a:endParaRPr lang="en-CA"/>
           </a:p>
@@ -3835,9 +4193,9 @@
           <a:bodyPr/>
           <a:lstStyle/>
           <a:p>
-            <a:fld id="{BE28C888-FE49-4D7A-8A13-DC359419DA98}" type="datetimeFigureOut">
+            <a:fld id="{450448D9-33C0-456D-A270-318FE0E789DB}" type="datetime1">
               <a:rPr lang="en-CA" smtClean="0"/>
-              <a:t>2017-02-14</a:t>
+              <a:t>2017-02-20</a:t>
             </a:fld>
             <a:endParaRPr lang="en-CA"/>
           </a:p>
@@ -3879,7 +4237,7 @@
           <a:p>
             <a:fld id="{E733B697-11A6-4686-A4B0-BC7222BD8556}" type="slidenum">
               <a:rPr lang="en-CA" smtClean="0"/>
-              <a:t>‹N°›</a:t>
+              <a:t>‹#›</a:t>
             </a:fld>
             <a:endParaRPr lang="en-CA"/>
           </a:p>
@@ -3958,9 +4316,9 @@
           <a:bodyPr/>
           <a:lstStyle/>
           <a:p>
-            <a:fld id="{BE28C888-FE49-4D7A-8A13-DC359419DA98}" type="datetimeFigureOut">
+            <a:fld id="{B3F13950-E0F4-4BD9-9191-F0986353D7B8}" type="datetime1">
               <a:rPr lang="en-CA" smtClean="0"/>
-              <a:t>2017-02-14</a:t>
+              <a:t>2017-02-20</a:t>
             </a:fld>
             <a:endParaRPr lang="en-CA"/>
           </a:p>
@@ -4002,7 +4360,7 @@
           <a:p>
             <a:fld id="{E733B697-11A6-4686-A4B0-BC7222BD8556}" type="slidenum">
               <a:rPr lang="en-CA" smtClean="0"/>
-              <a:t>‹N°›</a:t>
+              <a:t>‹#›</a:t>
             </a:fld>
             <a:endParaRPr lang="en-CA"/>
           </a:p>
@@ -4053,9 +4411,9 @@
           <a:bodyPr/>
           <a:lstStyle/>
           <a:p>
-            <a:fld id="{BE28C888-FE49-4D7A-8A13-DC359419DA98}" type="datetimeFigureOut">
+            <a:fld id="{A2DFA99C-8AEA-4D54-9030-6013427F9A74}" type="datetime1">
               <a:rPr lang="en-CA" smtClean="0"/>
-              <a:t>2017-02-14</a:t>
+              <a:t>2017-02-20</a:t>
             </a:fld>
             <a:endParaRPr lang="en-CA"/>
           </a:p>
@@ -4097,7 +4455,7 @@
           <a:p>
             <a:fld id="{E733B697-11A6-4686-A4B0-BC7222BD8556}" type="slidenum">
               <a:rPr lang="en-CA" smtClean="0"/>
-              <a:t>‹N°›</a:t>
+              <a:t>‹#›</a:t>
             </a:fld>
             <a:endParaRPr lang="en-CA"/>
           </a:p>
@@ -4308,9 +4666,9 @@
           <a:bodyPr/>
           <a:lstStyle/>
           <a:p>
-            <a:fld id="{BE28C888-FE49-4D7A-8A13-DC359419DA98}" type="datetimeFigureOut">
+            <a:fld id="{C75A2FE2-E48F-4A05-B600-2CBA49AA67ED}" type="datetime1">
               <a:rPr lang="en-CA" smtClean="0"/>
-              <a:t>2017-02-14</a:t>
+              <a:t>2017-02-20</a:t>
             </a:fld>
             <a:endParaRPr lang="en-CA"/>
           </a:p>
@@ -4352,7 +4710,7 @@
           <a:p>
             <a:fld id="{E733B697-11A6-4686-A4B0-BC7222BD8556}" type="slidenum">
               <a:rPr lang="en-CA" smtClean="0"/>
-              <a:t>‹N°›</a:t>
+              <a:t>‹#›</a:t>
             </a:fld>
             <a:endParaRPr lang="en-CA"/>
           </a:p>
@@ -4571,9 +4929,9 @@
           <a:bodyPr/>
           <a:lstStyle/>
           <a:p>
-            <a:fld id="{BE28C888-FE49-4D7A-8A13-DC359419DA98}" type="datetimeFigureOut">
+            <a:fld id="{DE1B805D-E6C3-405D-AC22-2044C37E1430}" type="datetime1">
               <a:rPr lang="en-CA" smtClean="0"/>
-              <a:t>2017-02-14</a:t>
+              <a:t>2017-02-20</a:t>
             </a:fld>
             <a:endParaRPr lang="en-CA"/>
           </a:p>
@@ -4615,7 +4973,7 @@
           <a:p>
             <a:fld id="{E733B697-11A6-4686-A4B0-BC7222BD8556}" type="slidenum">
               <a:rPr lang="en-CA" smtClean="0"/>
-              <a:t>‹N°›</a:t>
+              <a:t>‹#›</a:t>
             </a:fld>
             <a:endParaRPr lang="en-CA"/>
           </a:p>
@@ -5314,9 +5672,9 @@
             </a:lvl1pPr>
           </a:lstStyle>
           <a:p>
-            <a:fld id="{BE28C888-FE49-4D7A-8A13-DC359419DA98}" type="datetimeFigureOut">
+            <a:fld id="{7AC0FDD7-64E2-4759-93DB-F6CD368B9AB0}" type="datetime1">
               <a:rPr lang="en-CA" smtClean="0"/>
-              <a:t>2017-02-14</a:t>
+              <a:t>2017-02-20</a:t>
             </a:fld>
             <a:endParaRPr lang="en-CA"/>
           </a:p>
@@ -5392,7 +5750,7 @@
           <a:p>
             <a:fld id="{E733B697-11A6-4686-A4B0-BC7222BD8556}" type="slidenum">
               <a:rPr lang="en-CA" smtClean="0"/>
-              <a:t>‹N°›</a:t>
+              <a:t>‹#›</a:t>
             </a:fld>
             <a:endParaRPr lang="en-CA"/>
           </a:p>
@@ -5424,6 +5782,7 @@
     <p:sldLayoutId id="2147483769" r:id="rId15"/>
     <p:sldLayoutId id="2147483770" r:id="rId16"/>
   </p:sldLayoutIdLst>
+  <p:hf hdr="0" ftr="0" dt="0"/>
   <p:txStyles>
     <p:titleStyle>
       <a:lvl1pPr algn="l" defTabSz="457200" rtl="0" eaLnBrk="1" latinLnBrk="0" hangingPunct="1">
@@ -5820,7 +6179,7 @@
       </a:lvl9pPr>
     </p:otherStyle>
   </p:txStyles>
-  <p:extLst>
+  <p:extLst mod="1">
     <p:ext uri="{27BBF7A9-308A-43DC-89C8-2F10F3537804}">
       <p15:sldGuideLst xmlns:p15="http://schemas.microsoft.com/office/powerpoint/2012/main"/>
     </p:ext>
@@ -6119,6 +6478,29 @@
           </a:p>
         </p:txBody>
       </p:sp>
+      <p:sp>
+        <p:nvSpPr>
+          <p:cNvPr id="2" name="Slide Number Placeholder 1"/>
+          <p:cNvSpPr>
+            <a:spLocks noGrp="1"/>
+          </p:cNvSpPr>
+          <p:nvPr>
+            <p:ph type="sldNum" sz="quarter" idx="12"/>
+          </p:nvPr>
+        </p:nvSpPr>
+        <p:spPr/>
+        <p:txBody>
+          <a:bodyPr/>
+          <a:lstStyle/>
+          <a:p>
+            <a:fld id="{E733B697-11A6-4686-A4B0-BC7222BD8556}" type="slidenum">
+              <a:rPr lang="en-CA" smtClean="0"/>
+              <a:t>1</a:t>
+            </a:fld>
+            <a:endParaRPr lang="en-CA"/>
+          </a:p>
+        </p:txBody>
+      </p:sp>
     </p:spTree>
     <p:extLst>
       <p:ext uri="{BB962C8B-B14F-4D97-AF65-F5344CB8AC3E}">
@@ -6173,7 +6555,7 @@
           <a:p>
             <a:r>
               <a:rPr lang="fr-CA" sz="3000" dirty="0"/>
-              <a:t>Diagramme de Gantt / outils de gestion</a:t>
+              <a:t>Plan d’Assurance Qualité</a:t>
             </a:r>
             <a:endParaRPr lang="en-CA" sz="3000" dirty="0"/>
           </a:p>
@@ -6191,22 +6573,332 @@
         </p:nvSpPr>
         <p:spPr>
           <a:xfrm>
-            <a:off x="708157" y="2088669"/>
-            <a:ext cx="8596668" cy="3880773"/>
+            <a:off x="708156" y="2278137"/>
+            <a:ext cx="9106403" cy="1958583"/>
           </a:xfrm>
         </p:spPr>
         <p:txBody>
+          <a:bodyPr>
+            <a:noAutofit/>
+          </a:bodyPr>
+          <a:lstStyle/>
+          <a:p>
+            <a:pPr lvl="0"/>
+            <a:r>
+              <a:rPr lang="fr-CA" sz="3200" dirty="0"/>
+              <a:t>Trois résultats possibles :</a:t>
+            </a:r>
+            <a:endParaRPr lang="en-CA" sz="3200" dirty="0"/>
+          </a:p>
+          <a:p>
+            <a:pPr lvl="1"/>
+            <a:r>
+              <a:rPr lang="fr-CA" sz="2800" dirty="0"/>
+              <a:t>Réussite (</a:t>
+            </a:r>
+            <a:r>
+              <a:rPr lang="fr-CA" sz="2800" i="1" dirty="0" err="1"/>
+              <a:t>Pass</a:t>
+            </a:r>
+            <a:r>
+              <a:rPr lang="fr-CA" sz="2800" dirty="0"/>
+              <a:t>).</a:t>
+            </a:r>
+            <a:endParaRPr lang="en-CA" sz="2800" dirty="0"/>
+          </a:p>
+          <a:p>
+            <a:pPr lvl="1"/>
+            <a:r>
+              <a:rPr lang="fr-CA" sz="2800" dirty="0"/>
+              <a:t>Échec (</a:t>
+            </a:r>
+            <a:r>
+              <a:rPr lang="fr-CA" sz="2800" i="1" dirty="0"/>
+              <a:t>Fail</a:t>
+            </a:r>
+            <a:r>
+              <a:rPr lang="fr-CA" sz="2800" dirty="0"/>
+              <a:t>).</a:t>
+            </a:r>
+            <a:endParaRPr lang="en-CA" sz="2800" dirty="0"/>
+          </a:p>
+          <a:p>
+            <a:pPr lvl="1"/>
+            <a:r>
+              <a:rPr lang="fr-CA" sz="2800" dirty="0"/>
+              <a:t>Bloqué (</a:t>
+            </a:r>
+            <a:r>
+              <a:rPr lang="fr-CA" sz="2800" i="1" dirty="0" err="1"/>
+              <a:t>Could</a:t>
+            </a:r>
+            <a:r>
+              <a:rPr lang="fr-CA" sz="2800" i="1" dirty="0"/>
+              <a:t> not test</a:t>
+            </a:r>
+            <a:r>
+              <a:rPr lang="fr-CA" sz="2800" dirty="0"/>
+              <a:t>).</a:t>
+            </a:r>
+            <a:endParaRPr lang="en-CA" sz="2800" dirty="0"/>
+          </a:p>
+          <a:p>
+            <a:pPr lvl="1"/>
+            <a:r>
+              <a:rPr lang="fr-CA" sz="2800" dirty="0"/>
+              <a:t>À tester de nouveau (</a:t>
+            </a:r>
+            <a:r>
+              <a:rPr lang="fr-CA" sz="2800" i="1" dirty="0"/>
+              <a:t>Not applicable</a:t>
+            </a:r>
+            <a:r>
+              <a:rPr lang="fr-CA" sz="2800" dirty="0"/>
+              <a:t>).</a:t>
+            </a:r>
+            <a:endParaRPr lang="en-CA" sz="2800" dirty="0"/>
+          </a:p>
+        </p:txBody>
+      </p:sp>
+      <p:sp>
+        <p:nvSpPr>
+          <p:cNvPr id="6" name="Title 1"/>
+          <p:cNvSpPr txBox="1">
+            <a:spLocks/>
+          </p:cNvSpPr>
+          <p:nvPr/>
+        </p:nvSpPr>
+        <p:spPr>
+          <a:xfrm>
+            <a:off x="449077" y="943185"/>
+            <a:ext cx="11589875" cy="725142"/>
+          </a:xfrm>
+          <a:prstGeom prst="rect">
+            <a:avLst/>
+          </a:prstGeom>
+        </p:spPr>
+        <p:txBody>
+          <a:bodyPr vert="horz" lIns="91440" tIns="45720" rIns="91440" bIns="45720" rtlCol="0" anchor="t">
+            <a:normAutofit/>
+          </a:bodyPr>
+          <a:lstStyle>
+            <a:lvl1pPr algn="l" defTabSz="457200" rtl="0" eaLnBrk="1" latinLnBrk="0" hangingPunct="1">
+              <a:spcBef>
+                <a:spcPct val="0"/>
+              </a:spcBef>
+              <a:buNone/>
+              <a:defRPr sz="3600" kern="1200">
+                <a:solidFill>
+                  <a:schemeClr val="accent1"/>
+                </a:solidFill>
+                <a:latin typeface="+mj-lt"/>
+                <a:ea typeface="+mj-ea"/>
+                <a:cs typeface="+mj-cs"/>
+              </a:defRPr>
+            </a:lvl1pPr>
+            <a:lvl2pPr eaLnBrk="1" hangingPunct="1">
+              <a:defRPr>
+                <a:solidFill>
+                  <a:schemeClr val="tx2"/>
+                </a:solidFill>
+              </a:defRPr>
+            </a:lvl2pPr>
+            <a:lvl3pPr eaLnBrk="1" hangingPunct="1">
+              <a:defRPr>
+                <a:solidFill>
+                  <a:schemeClr val="tx2"/>
+                </a:solidFill>
+              </a:defRPr>
+            </a:lvl3pPr>
+            <a:lvl4pPr eaLnBrk="1" hangingPunct="1">
+              <a:defRPr>
+                <a:solidFill>
+                  <a:schemeClr val="tx2"/>
+                </a:solidFill>
+              </a:defRPr>
+            </a:lvl4pPr>
+            <a:lvl5pPr eaLnBrk="1" hangingPunct="1">
+              <a:defRPr>
+                <a:solidFill>
+                  <a:schemeClr val="tx2"/>
+                </a:solidFill>
+              </a:defRPr>
+            </a:lvl5pPr>
+            <a:lvl6pPr eaLnBrk="1" hangingPunct="1">
+              <a:defRPr>
+                <a:solidFill>
+                  <a:schemeClr val="tx2"/>
+                </a:solidFill>
+              </a:defRPr>
+            </a:lvl6pPr>
+            <a:lvl7pPr eaLnBrk="1" hangingPunct="1">
+              <a:defRPr>
+                <a:solidFill>
+                  <a:schemeClr val="tx2"/>
+                </a:solidFill>
+              </a:defRPr>
+            </a:lvl7pPr>
+            <a:lvl8pPr eaLnBrk="1" hangingPunct="1">
+              <a:defRPr>
+                <a:solidFill>
+                  <a:schemeClr val="tx2"/>
+                </a:solidFill>
+              </a:defRPr>
+            </a:lvl8pPr>
+            <a:lvl9pPr eaLnBrk="1" hangingPunct="1">
+              <a:defRPr>
+                <a:solidFill>
+                  <a:schemeClr val="tx2"/>
+                </a:solidFill>
+              </a:defRPr>
+            </a:lvl9pPr>
+          </a:lstStyle>
+          <a:p>
+            <a:r>
+              <a:rPr lang="fr-FR" sz="3000" dirty="0"/>
+              <a:t>Fonctionnement de l’assurance qualité</a:t>
+            </a:r>
+            <a:endParaRPr lang="en-CA" sz="3000" dirty="0"/>
+          </a:p>
+        </p:txBody>
+      </p:sp>
+      <p:sp>
+        <p:nvSpPr>
+          <p:cNvPr id="7" name="Title 1"/>
+          <p:cNvSpPr txBox="1">
+            <a:spLocks/>
+          </p:cNvSpPr>
+          <p:nvPr/>
+        </p:nvSpPr>
+        <p:spPr>
+          <a:xfrm>
+            <a:off x="708157" y="1552995"/>
+            <a:ext cx="11589875" cy="725142"/>
+          </a:xfrm>
+          <a:prstGeom prst="rect">
+            <a:avLst/>
+          </a:prstGeom>
+        </p:spPr>
+        <p:txBody>
+          <a:bodyPr vert="horz" lIns="91440" tIns="45720" rIns="91440" bIns="45720" rtlCol="0" anchor="t">
+            <a:normAutofit/>
+          </a:bodyPr>
+          <a:lstStyle>
+            <a:lvl1pPr algn="l" defTabSz="457200" rtl="0" eaLnBrk="1" latinLnBrk="0" hangingPunct="1">
+              <a:spcBef>
+                <a:spcPct val="0"/>
+              </a:spcBef>
+              <a:buNone/>
+              <a:defRPr sz="3600" kern="1200">
+                <a:solidFill>
+                  <a:schemeClr val="accent1"/>
+                </a:solidFill>
+                <a:latin typeface="+mj-lt"/>
+                <a:ea typeface="+mj-ea"/>
+                <a:cs typeface="+mj-cs"/>
+              </a:defRPr>
+            </a:lvl1pPr>
+            <a:lvl2pPr eaLnBrk="1" hangingPunct="1">
+              <a:defRPr>
+                <a:solidFill>
+                  <a:schemeClr val="tx2"/>
+                </a:solidFill>
+              </a:defRPr>
+            </a:lvl2pPr>
+            <a:lvl3pPr eaLnBrk="1" hangingPunct="1">
+              <a:defRPr>
+                <a:solidFill>
+                  <a:schemeClr val="tx2"/>
+                </a:solidFill>
+              </a:defRPr>
+            </a:lvl3pPr>
+            <a:lvl4pPr eaLnBrk="1" hangingPunct="1">
+              <a:defRPr>
+                <a:solidFill>
+                  <a:schemeClr val="tx2"/>
+                </a:solidFill>
+              </a:defRPr>
+            </a:lvl4pPr>
+            <a:lvl5pPr eaLnBrk="1" hangingPunct="1">
+              <a:defRPr>
+                <a:solidFill>
+                  <a:schemeClr val="tx2"/>
+                </a:solidFill>
+              </a:defRPr>
+            </a:lvl5pPr>
+            <a:lvl6pPr eaLnBrk="1" hangingPunct="1">
+              <a:defRPr>
+                <a:solidFill>
+                  <a:schemeClr val="tx2"/>
+                </a:solidFill>
+              </a:defRPr>
+            </a:lvl6pPr>
+            <a:lvl7pPr eaLnBrk="1" hangingPunct="1">
+              <a:defRPr>
+                <a:solidFill>
+                  <a:schemeClr val="tx2"/>
+                </a:solidFill>
+              </a:defRPr>
+            </a:lvl7pPr>
+            <a:lvl8pPr eaLnBrk="1" hangingPunct="1">
+              <a:defRPr>
+                <a:solidFill>
+                  <a:schemeClr val="tx2"/>
+                </a:solidFill>
+              </a:defRPr>
+            </a:lvl8pPr>
+            <a:lvl9pPr eaLnBrk="1" hangingPunct="1">
+              <a:defRPr>
+                <a:solidFill>
+                  <a:schemeClr val="tx2"/>
+                </a:solidFill>
+              </a:defRPr>
+            </a:lvl9pPr>
+          </a:lstStyle>
+          <a:p>
+            <a:r>
+              <a:rPr lang="fr-FR" sz="3000" dirty="0">
+                <a:solidFill>
+                  <a:schemeClr val="tx1"/>
+                </a:solidFill>
+              </a:rPr>
+              <a:t>Résultat des tests</a:t>
+            </a:r>
+            <a:endParaRPr lang="en-CA" sz="3000" dirty="0">
+              <a:solidFill>
+                <a:schemeClr val="tx1"/>
+              </a:solidFill>
+            </a:endParaRPr>
+          </a:p>
+        </p:txBody>
+      </p:sp>
+      <p:sp>
+        <p:nvSpPr>
+          <p:cNvPr id="3" name="Slide Number Placeholder 2"/>
+          <p:cNvSpPr>
+            <a:spLocks noGrp="1"/>
+          </p:cNvSpPr>
+          <p:nvPr>
+            <p:ph type="sldNum" sz="quarter" idx="12"/>
+          </p:nvPr>
+        </p:nvSpPr>
+        <p:spPr/>
+        <p:txBody>
           <a:bodyPr/>
           <a:lstStyle/>
           <a:p>
-            <a:endParaRPr lang="fr-CA" dirty="0"/>
+            <a:fld id="{E733B697-11A6-4686-A4B0-BC7222BD8556}" type="slidenum">
+              <a:rPr lang="en-CA" smtClean="0"/>
+              <a:t>10</a:t>
+            </a:fld>
+            <a:endParaRPr lang="en-CA"/>
           </a:p>
         </p:txBody>
       </p:sp>
     </p:spTree>
     <p:extLst>
       <p:ext uri="{BB962C8B-B14F-4D97-AF65-F5344CB8AC3E}">
-        <p14:creationId xmlns:p14="http://schemas.microsoft.com/office/powerpoint/2010/main" val="881386810"/>
+        <p14:creationId xmlns:p14="http://schemas.microsoft.com/office/powerpoint/2010/main" val="3283842681"/>
       </p:ext>
     </p:extLst>
   </p:cSld>
@@ -6257,7 +6949,7 @@
           <a:p>
             <a:r>
               <a:rPr lang="fr-CA" sz="3000" dirty="0"/>
-              <a:t>Gestion des risques</a:t>
+              <a:t>Plan d’Assurance Qualité</a:t>
             </a:r>
             <a:endParaRPr lang="en-CA" sz="3000" dirty="0"/>
           </a:p>
@@ -6275,22 +6967,371 @@
         </p:nvSpPr>
         <p:spPr>
           <a:xfrm>
-            <a:off x="708157" y="2088669"/>
-            <a:ext cx="8596668" cy="3880773"/>
+            <a:off x="708156" y="2278137"/>
+            <a:ext cx="9106404" cy="3421623"/>
           </a:xfrm>
         </p:spPr>
         <p:txBody>
+          <a:bodyPr>
+            <a:noAutofit/>
+          </a:bodyPr>
+          <a:lstStyle/>
+          <a:p>
+            <a:pPr lvl="0" algn="just"/>
+            <a:r>
+              <a:rPr lang="fr-CA" sz="2400" dirty="0"/>
+              <a:t>Lorsqu’il y a un échec, il faut créer un ticket d’erreur (</a:t>
+            </a:r>
+            <a:r>
+              <a:rPr lang="fr-CA" sz="2400" i="1" dirty="0"/>
+              <a:t>bug report</a:t>
+            </a:r>
+            <a:r>
+              <a:rPr lang="fr-CA" sz="2400" dirty="0"/>
+              <a:t>)</a:t>
+            </a:r>
+            <a:r>
+              <a:rPr lang="fr-CA" sz="2400" i="1" dirty="0"/>
+              <a:t>.</a:t>
+            </a:r>
+            <a:endParaRPr lang="en-CA" sz="2400" dirty="0"/>
+          </a:p>
+          <a:p>
+            <a:pPr lvl="0" algn="just"/>
+            <a:r>
+              <a:rPr lang="fr-CA" sz="2400" dirty="0"/>
+              <a:t>La structure d’un ticket d’erreur est la suivante (juste remplir ce qui est listé ici, le reste est facultatif) :</a:t>
+            </a:r>
+            <a:endParaRPr lang="en-CA" sz="2400" dirty="0"/>
+          </a:p>
+          <a:p>
+            <a:pPr lvl="1" algn="just"/>
+            <a:r>
+              <a:rPr lang="fr-CA" sz="2000" dirty="0"/>
+              <a:t>Titre du problème (</a:t>
+            </a:r>
+            <a:r>
+              <a:rPr lang="fr-CA" sz="2000" i="1" dirty="0"/>
+              <a:t>Bug </a:t>
+            </a:r>
+            <a:r>
+              <a:rPr lang="fr-CA" sz="2000" i="1" dirty="0" err="1"/>
+              <a:t>title</a:t>
+            </a:r>
+            <a:r>
+              <a:rPr lang="fr-CA" sz="2000" dirty="0"/>
+              <a:t>).</a:t>
+            </a:r>
+            <a:endParaRPr lang="en-CA" sz="2000" dirty="0"/>
+          </a:p>
+          <a:p>
+            <a:pPr lvl="1" algn="just"/>
+            <a:r>
+              <a:rPr lang="fr-CA" sz="2000" dirty="0"/>
+              <a:t>Priorité (</a:t>
+            </a:r>
+            <a:r>
+              <a:rPr lang="fr-CA" sz="2000" i="1" dirty="0" err="1"/>
+              <a:t>Priority</a:t>
+            </a:r>
+            <a:r>
+              <a:rPr lang="fr-CA" sz="2000" dirty="0"/>
+              <a:t>).</a:t>
+            </a:r>
+          </a:p>
+          <a:p>
+            <a:pPr lvl="1" algn="just"/>
+            <a:r>
+              <a:rPr lang="en-CA" sz="2000" dirty="0"/>
+              <a:t> </a:t>
+            </a:r>
+            <a:r>
+              <a:rPr lang="fr-CA" sz="2000" dirty="0"/>
+              <a:t>Type.</a:t>
+            </a:r>
+            <a:endParaRPr lang="en-CA" sz="2000" dirty="0"/>
+          </a:p>
+          <a:p>
+            <a:pPr lvl="1" algn="just"/>
+            <a:r>
+              <a:rPr lang="fr-CA" sz="2000" dirty="0"/>
+              <a:t>Sévérité (</a:t>
+            </a:r>
+            <a:r>
+              <a:rPr lang="fr-CA" sz="2000" i="1" dirty="0" err="1"/>
+              <a:t>Severity</a:t>
+            </a:r>
+            <a:r>
+              <a:rPr lang="fr-CA" sz="2000" dirty="0"/>
+              <a:t>) </a:t>
+            </a:r>
+            <a:endParaRPr lang="en-CA" sz="2000" dirty="0"/>
+          </a:p>
+          <a:p>
+            <a:pPr lvl="1" algn="just"/>
+            <a:r>
+              <a:rPr lang="fr-CA" sz="2000" dirty="0"/>
+              <a:t>Reproductivité (</a:t>
+            </a:r>
+            <a:r>
+              <a:rPr lang="fr-CA" sz="2000" i="1" dirty="0" err="1"/>
+              <a:t>Reproducibility</a:t>
+            </a:r>
+            <a:r>
+              <a:rPr lang="fr-CA" sz="2000" dirty="0"/>
+              <a:t>)</a:t>
+            </a:r>
+            <a:endParaRPr lang="en-CA" sz="2000" dirty="0"/>
+          </a:p>
+          <a:p>
+            <a:pPr lvl="1" algn="just"/>
+            <a:r>
+              <a:rPr lang="fr-CA" sz="2000" dirty="0"/>
+              <a:t>Description</a:t>
+            </a:r>
+            <a:endParaRPr lang="en-CA" sz="2000" dirty="0"/>
+          </a:p>
+        </p:txBody>
+      </p:sp>
+      <p:sp>
+        <p:nvSpPr>
+          <p:cNvPr id="6" name="Title 1"/>
+          <p:cNvSpPr txBox="1">
+            <a:spLocks/>
+          </p:cNvSpPr>
+          <p:nvPr/>
+        </p:nvSpPr>
+        <p:spPr>
+          <a:xfrm>
+            <a:off x="449077" y="943185"/>
+            <a:ext cx="11589875" cy="725142"/>
+          </a:xfrm>
+          <a:prstGeom prst="rect">
+            <a:avLst/>
+          </a:prstGeom>
+        </p:spPr>
+        <p:txBody>
+          <a:bodyPr vert="horz" lIns="91440" tIns="45720" rIns="91440" bIns="45720" rtlCol="0" anchor="t">
+            <a:normAutofit/>
+          </a:bodyPr>
+          <a:lstStyle>
+            <a:lvl1pPr algn="l" defTabSz="457200" rtl="0" eaLnBrk="1" latinLnBrk="0" hangingPunct="1">
+              <a:spcBef>
+                <a:spcPct val="0"/>
+              </a:spcBef>
+              <a:buNone/>
+              <a:defRPr sz="3600" kern="1200">
+                <a:solidFill>
+                  <a:schemeClr val="accent1"/>
+                </a:solidFill>
+                <a:latin typeface="+mj-lt"/>
+                <a:ea typeface="+mj-ea"/>
+                <a:cs typeface="+mj-cs"/>
+              </a:defRPr>
+            </a:lvl1pPr>
+            <a:lvl2pPr eaLnBrk="1" hangingPunct="1">
+              <a:defRPr>
+                <a:solidFill>
+                  <a:schemeClr val="tx2"/>
+                </a:solidFill>
+              </a:defRPr>
+            </a:lvl2pPr>
+            <a:lvl3pPr eaLnBrk="1" hangingPunct="1">
+              <a:defRPr>
+                <a:solidFill>
+                  <a:schemeClr val="tx2"/>
+                </a:solidFill>
+              </a:defRPr>
+            </a:lvl3pPr>
+            <a:lvl4pPr eaLnBrk="1" hangingPunct="1">
+              <a:defRPr>
+                <a:solidFill>
+                  <a:schemeClr val="tx2"/>
+                </a:solidFill>
+              </a:defRPr>
+            </a:lvl4pPr>
+            <a:lvl5pPr eaLnBrk="1" hangingPunct="1">
+              <a:defRPr>
+                <a:solidFill>
+                  <a:schemeClr val="tx2"/>
+                </a:solidFill>
+              </a:defRPr>
+            </a:lvl5pPr>
+            <a:lvl6pPr eaLnBrk="1" hangingPunct="1">
+              <a:defRPr>
+                <a:solidFill>
+                  <a:schemeClr val="tx2"/>
+                </a:solidFill>
+              </a:defRPr>
+            </a:lvl6pPr>
+            <a:lvl7pPr eaLnBrk="1" hangingPunct="1">
+              <a:defRPr>
+                <a:solidFill>
+                  <a:schemeClr val="tx2"/>
+                </a:solidFill>
+              </a:defRPr>
+            </a:lvl7pPr>
+            <a:lvl8pPr eaLnBrk="1" hangingPunct="1">
+              <a:defRPr>
+                <a:solidFill>
+                  <a:schemeClr val="tx2"/>
+                </a:solidFill>
+              </a:defRPr>
+            </a:lvl8pPr>
+            <a:lvl9pPr eaLnBrk="1" hangingPunct="1">
+              <a:defRPr>
+                <a:solidFill>
+                  <a:schemeClr val="tx2"/>
+                </a:solidFill>
+              </a:defRPr>
+            </a:lvl9pPr>
+          </a:lstStyle>
+          <a:p>
+            <a:r>
+              <a:rPr lang="fr-FR" sz="3000" dirty="0"/>
+              <a:t>Fonctionnement de l’assurance qualité</a:t>
+            </a:r>
+            <a:endParaRPr lang="en-CA" sz="3000" dirty="0"/>
+          </a:p>
+        </p:txBody>
+      </p:sp>
+      <p:sp>
+        <p:nvSpPr>
+          <p:cNvPr id="7" name="Title 1"/>
+          <p:cNvSpPr txBox="1">
+            <a:spLocks/>
+          </p:cNvSpPr>
+          <p:nvPr/>
+        </p:nvSpPr>
+        <p:spPr>
+          <a:xfrm>
+            <a:off x="708157" y="1552995"/>
+            <a:ext cx="11589875" cy="725142"/>
+          </a:xfrm>
+          <a:prstGeom prst="rect">
+            <a:avLst/>
+          </a:prstGeom>
+        </p:spPr>
+        <p:txBody>
+          <a:bodyPr vert="horz" lIns="91440" tIns="45720" rIns="91440" bIns="45720" rtlCol="0" anchor="t">
+            <a:normAutofit/>
+          </a:bodyPr>
+          <a:lstStyle>
+            <a:lvl1pPr algn="l" defTabSz="457200" rtl="0" eaLnBrk="1" latinLnBrk="0" hangingPunct="1">
+              <a:spcBef>
+                <a:spcPct val="0"/>
+              </a:spcBef>
+              <a:buNone/>
+              <a:defRPr sz="3600" kern="1200">
+                <a:solidFill>
+                  <a:schemeClr val="accent1"/>
+                </a:solidFill>
+                <a:latin typeface="+mj-lt"/>
+                <a:ea typeface="+mj-ea"/>
+                <a:cs typeface="+mj-cs"/>
+              </a:defRPr>
+            </a:lvl1pPr>
+            <a:lvl2pPr eaLnBrk="1" hangingPunct="1">
+              <a:defRPr>
+                <a:solidFill>
+                  <a:schemeClr val="tx2"/>
+                </a:solidFill>
+              </a:defRPr>
+            </a:lvl2pPr>
+            <a:lvl3pPr eaLnBrk="1" hangingPunct="1">
+              <a:defRPr>
+                <a:solidFill>
+                  <a:schemeClr val="tx2"/>
+                </a:solidFill>
+              </a:defRPr>
+            </a:lvl3pPr>
+            <a:lvl4pPr eaLnBrk="1" hangingPunct="1">
+              <a:defRPr>
+                <a:solidFill>
+                  <a:schemeClr val="tx2"/>
+                </a:solidFill>
+              </a:defRPr>
+            </a:lvl4pPr>
+            <a:lvl5pPr eaLnBrk="1" hangingPunct="1">
+              <a:defRPr>
+                <a:solidFill>
+                  <a:schemeClr val="tx2"/>
+                </a:solidFill>
+              </a:defRPr>
+            </a:lvl5pPr>
+            <a:lvl6pPr eaLnBrk="1" hangingPunct="1">
+              <a:defRPr>
+                <a:solidFill>
+                  <a:schemeClr val="tx2"/>
+                </a:solidFill>
+              </a:defRPr>
+            </a:lvl6pPr>
+            <a:lvl7pPr eaLnBrk="1" hangingPunct="1">
+              <a:defRPr>
+                <a:solidFill>
+                  <a:schemeClr val="tx2"/>
+                </a:solidFill>
+              </a:defRPr>
+            </a:lvl7pPr>
+            <a:lvl8pPr eaLnBrk="1" hangingPunct="1">
+              <a:defRPr>
+                <a:solidFill>
+                  <a:schemeClr val="tx2"/>
+                </a:solidFill>
+              </a:defRPr>
+            </a:lvl8pPr>
+            <a:lvl9pPr eaLnBrk="1" hangingPunct="1">
+              <a:defRPr>
+                <a:solidFill>
+                  <a:schemeClr val="tx2"/>
+                </a:solidFill>
+              </a:defRPr>
+            </a:lvl9pPr>
+          </a:lstStyle>
+          <a:p>
+            <a:r>
+              <a:rPr lang="fr-FR" sz="3000" dirty="0">
+                <a:solidFill>
+                  <a:schemeClr val="tx1"/>
+                </a:solidFill>
+              </a:rPr>
+              <a:t>Tickets d’erreur</a:t>
+            </a:r>
+            <a:endParaRPr lang="en-CA" sz="3000" dirty="0">
+              <a:solidFill>
+                <a:schemeClr val="tx1"/>
+              </a:solidFill>
+            </a:endParaRPr>
+          </a:p>
+        </p:txBody>
+      </p:sp>
+      <p:sp>
+        <p:nvSpPr>
+          <p:cNvPr id="3" name="Slide Number Placeholder 2"/>
+          <p:cNvSpPr>
+            <a:spLocks noGrp="1"/>
+          </p:cNvSpPr>
+          <p:nvPr>
+            <p:ph type="sldNum" sz="quarter" idx="12"/>
+          </p:nvPr>
+        </p:nvSpPr>
+        <p:spPr/>
+        <p:txBody>
           <a:bodyPr/>
           <a:lstStyle/>
           <a:p>
-            <a:endParaRPr lang="fr-CA" dirty="0"/>
+            <a:fld id="{E733B697-11A6-4686-A4B0-BC7222BD8556}" type="slidenum">
+              <a:rPr lang="en-CA" smtClean="0"/>
+              <a:t>11</a:t>
+            </a:fld>
+            <a:endParaRPr lang="en-CA"/>
           </a:p>
         </p:txBody>
       </p:sp>
     </p:spTree>
     <p:extLst>
       <p:ext uri="{BB962C8B-B14F-4D97-AF65-F5344CB8AC3E}">
-        <p14:creationId xmlns:p14="http://schemas.microsoft.com/office/powerpoint/2010/main" val="3737034658"/>
+        <p14:creationId xmlns:p14="http://schemas.microsoft.com/office/powerpoint/2010/main" val="1424918617"/>
       </p:ext>
     </p:extLst>
   </p:cSld>
@@ -6341,7 +7382,326 @@
           <a:p>
             <a:r>
               <a:rPr lang="fr-CA" sz="3000" dirty="0"/>
-              <a:t>Montage matériel</a:t>
+              <a:t>Plan d’Assurance Qualité</a:t>
+            </a:r>
+            <a:endParaRPr lang="en-CA" sz="3000" dirty="0"/>
+          </a:p>
+        </p:txBody>
+      </p:sp>
+      <p:sp>
+        <p:nvSpPr>
+          <p:cNvPr id="6" name="Title 1"/>
+          <p:cNvSpPr txBox="1">
+            <a:spLocks/>
+          </p:cNvSpPr>
+          <p:nvPr/>
+        </p:nvSpPr>
+        <p:spPr>
+          <a:xfrm>
+            <a:off x="449077" y="943185"/>
+            <a:ext cx="11589875" cy="725142"/>
+          </a:xfrm>
+          <a:prstGeom prst="rect">
+            <a:avLst/>
+          </a:prstGeom>
+        </p:spPr>
+        <p:txBody>
+          <a:bodyPr vert="horz" lIns="91440" tIns="45720" rIns="91440" bIns="45720" rtlCol="0" anchor="t">
+            <a:normAutofit/>
+          </a:bodyPr>
+          <a:lstStyle>
+            <a:lvl1pPr algn="l" defTabSz="457200" rtl="0" eaLnBrk="1" latinLnBrk="0" hangingPunct="1">
+              <a:spcBef>
+                <a:spcPct val="0"/>
+              </a:spcBef>
+              <a:buNone/>
+              <a:defRPr sz="3600" kern="1200">
+                <a:solidFill>
+                  <a:schemeClr val="accent1"/>
+                </a:solidFill>
+                <a:latin typeface="+mj-lt"/>
+                <a:ea typeface="+mj-ea"/>
+                <a:cs typeface="+mj-cs"/>
+              </a:defRPr>
+            </a:lvl1pPr>
+            <a:lvl2pPr eaLnBrk="1" hangingPunct="1">
+              <a:defRPr>
+                <a:solidFill>
+                  <a:schemeClr val="tx2"/>
+                </a:solidFill>
+              </a:defRPr>
+            </a:lvl2pPr>
+            <a:lvl3pPr eaLnBrk="1" hangingPunct="1">
+              <a:defRPr>
+                <a:solidFill>
+                  <a:schemeClr val="tx2"/>
+                </a:solidFill>
+              </a:defRPr>
+            </a:lvl3pPr>
+            <a:lvl4pPr eaLnBrk="1" hangingPunct="1">
+              <a:defRPr>
+                <a:solidFill>
+                  <a:schemeClr val="tx2"/>
+                </a:solidFill>
+              </a:defRPr>
+            </a:lvl4pPr>
+            <a:lvl5pPr eaLnBrk="1" hangingPunct="1">
+              <a:defRPr>
+                <a:solidFill>
+                  <a:schemeClr val="tx2"/>
+                </a:solidFill>
+              </a:defRPr>
+            </a:lvl5pPr>
+            <a:lvl6pPr eaLnBrk="1" hangingPunct="1">
+              <a:defRPr>
+                <a:solidFill>
+                  <a:schemeClr val="tx2"/>
+                </a:solidFill>
+              </a:defRPr>
+            </a:lvl6pPr>
+            <a:lvl7pPr eaLnBrk="1" hangingPunct="1">
+              <a:defRPr>
+                <a:solidFill>
+                  <a:schemeClr val="tx2"/>
+                </a:solidFill>
+              </a:defRPr>
+            </a:lvl7pPr>
+            <a:lvl8pPr eaLnBrk="1" hangingPunct="1">
+              <a:defRPr>
+                <a:solidFill>
+                  <a:schemeClr val="tx2"/>
+                </a:solidFill>
+              </a:defRPr>
+            </a:lvl8pPr>
+            <a:lvl9pPr eaLnBrk="1" hangingPunct="1">
+              <a:defRPr>
+                <a:solidFill>
+                  <a:schemeClr val="tx2"/>
+                </a:solidFill>
+              </a:defRPr>
+            </a:lvl9pPr>
+          </a:lstStyle>
+          <a:p>
+            <a:r>
+              <a:rPr lang="fr-FR" sz="3000" dirty="0"/>
+              <a:t>Fonctionnement de l’assurance qualité</a:t>
+            </a:r>
+            <a:endParaRPr lang="en-CA" sz="3000" dirty="0"/>
+          </a:p>
+        </p:txBody>
+      </p:sp>
+      <p:sp>
+        <p:nvSpPr>
+          <p:cNvPr id="7" name="Title 1"/>
+          <p:cNvSpPr txBox="1">
+            <a:spLocks/>
+          </p:cNvSpPr>
+          <p:nvPr/>
+        </p:nvSpPr>
+        <p:spPr>
+          <a:xfrm>
+            <a:off x="708157" y="1552995"/>
+            <a:ext cx="11589875" cy="725142"/>
+          </a:xfrm>
+          <a:prstGeom prst="rect">
+            <a:avLst/>
+          </a:prstGeom>
+        </p:spPr>
+        <p:txBody>
+          <a:bodyPr vert="horz" lIns="91440" tIns="45720" rIns="91440" bIns="45720" rtlCol="0" anchor="t">
+            <a:normAutofit/>
+          </a:bodyPr>
+          <a:lstStyle>
+            <a:lvl1pPr algn="l" defTabSz="457200" rtl="0" eaLnBrk="1" latinLnBrk="0" hangingPunct="1">
+              <a:spcBef>
+                <a:spcPct val="0"/>
+              </a:spcBef>
+              <a:buNone/>
+              <a:defRPr sz="3600" kern="1200">
+                <a:solidFill>
+                  <a:schemeClr val="accent1"/>
+                </a:solidFill>
+                <a:latin typeface="+mj-lt"/>
+                <a:ea typeface="+mj-ea"/>
+                <a:cs typeface="+mj-cs"/>
+              </a:defRPr>
+            </a:lvl1pPr>
+            <a:lvl2pPr eaLnBrk="1" hangingPunct="1">
+              <a:defRPr>
+                <a:solidFill>
+                  <a:schemeClr val="tx2"/>
+                </a:solidFill>
+              </a:defRPr>
+            </a:lvl2pPr>
+            <a:lvl3pPr eaLnBrk="1" hangingPunct="1">
+              <a:defRPr>
+                <a:solidFill>
+                  <a:schemeClr val="tx2"/>
+                </a:solidFill>
+              </a:defRPr>
+            </a:lvl3pPr>
+            <a:lvl4pPr eaLnBrk="1" hangingPunct="1">
+              <a:defRPr>
+                <a:solidFill>
+                  <a:schemeClr val="tx2"/>
+                </a:solidFill>
+              </a:defRPr>
+            </a:lvl4pPr>
+            <a:lvl5pPr eaLnBrk="1" hangingPunct="1">
+              <a:defRPr>
+                <a:solidFill>
+                  <a:schemeClr val="tx2"/>
+                </a:solidFill>
+              </a:defRPr>
+            </a:lvl5pPr>
+            <a:lvl6pPr eaLnBrk="1" hangingPunct="1">
+              <a:defRPr>
+                <a:solidFill>
+                  <a:schemeClr val="tx2"/>
+                </a:solidFill>
+              </a:defRPr>
+            </a:lvl6pPr>
+            <a:lvl7pPr eaLnBrk="1" hangingPunct="1">
+              <a:defRPr>
+                <a:solidFill>
+                  <a:schemeClr val="tx2"/>
+                </a:solidFill>
+              </a:defRPr>
+            </a:lvl7pPr>
+            <a:lvl8pPr eaLnBrk="1" hangingPunct="1">
+              <a:defRPr>
+                <a:solidFill>
+                  <a:schemeClr val="tx2"/>
+                </a:solidFill>
+              </a:defRPr>
+            </a:lvl8pPr>
+            <a:lvl9pPr eaLnBrk="1" hangingPunct="1">
+              <a:defRPr>
+                <a:solidFill>
+                  <a:schemeClr val="tx2"/>
+                </a:solidFill>
+              </a:defRPr>
+            </a:lvl9pPr>
+          </a:lstStyle>
+          <a:p>
+            <a:r>
+              <a:rPr lang="fr-FR" sz="3000" dirty="0">
+                <a:solidFill>
+                  <a:schemeClr val="tx1"/>
+                </a:solidFill>
+              </a:rPr>
+              <a:t>Tickets d’erreur</a:t>
+            </a:r>
+            <a:endParaRPr lang="en-CA" sz="3000" dirty="0">
+              <a:solidFill>
+                <a:schemeClr val="tx1"/>
+              </a:solidFill>
+            </a:endParaRPr>
+          </a:p>
+        </p:txBody>
+      </p:sp>
+      <p:sp>
+        <p:nvSpPr>
+          <p:cNvPr id="10" name="Slide Number Placeholder 9"/>
+          <p:cNvSpPr>
+            <a:spLocks noGrp="1"/>
+          </p:cNvSpPr>
+          <p:nvPr>
+            <p:ph type="sldNum" sz="quarter" idx="12"/>
+          </p:nvPr>
+        </p:nvSpPr>
+        <p:spPr/>
+        <p:txBody>
+          <a:bodyPr/>
+          <a:lstStyle/>
+          <a:p>
+            <a:fld id="{E733B697-11A6-4686-A4B0-BC7222BD8556}" type="slidenum">
+              <a:rPr lang="en-CA" smtClean="0"/>
+              <a:t>12</a:t>
+            </a:fld>
+            <a:endParaRPr lang="en-CA"/>
+          </a:p>
+        </p:txBody>
+      </p:sp>
+      <p:pic>
+        <p:nvPicPr>
+          <p:cNvPr id="12" name="Picture 11"/>
+          <p:cNvPicPr>
+            <a:picLocks noChangeAspect="1"/>
+          </p:cNvPicPr>
+          <p:nvPr/>
+        </p:nvPicPr>
+        <p:blipFill>
+          <a:blip r:embed="rId2"/>
+          <a:stretch>
+            <a:fillRect/>
+          </a:stretch>
+        </p:blipFill>
+        <p:spPr>
+          <a:xfrm>
+            <a:off x="708157" y="2319368"/>
+            <a:ext cx="8049651" cy="3904556"/>
+          </a:xfrm>
+          <a:prstGeom prst="rect">
+            <a:avLst/>
+          </a:prstGeom>
+        </p:spPr>
+      </p:pic>
+    </p:spTree>
+    <p:extLst>
+      <p:ext uri="{BB962C8B-B14F-4D97-AF65-F5344CB8AC3E}">
+        <p14:creationId xmlns:p14="http://schemas.microsoft.com/office/powerpoint/2010/main" val="2812726013"/>
+      </p:ext>
+    </p:extLst>
+  </p:cSld>
+  <p:clrMapOvr>
+    <a:masterClrMapping/>
+  </p:clrMapOvr>
+</p:sld>
+</file>
+
+<file path=ppt/slides/slide13.xml><?xml version="1.0" encoding="utf-8"?>
+<p:sld xmlns:a="http://schemas.openxmlformats.org/drawingml/2006/main" xmlns:r="http://schemas.openxmlformats.org/officeDocument/2006/relationships" xmlns:p="http://schemas.openxmlformats.org/presentationml/2006/main">
+  <p:cSld>
+    <p:spTree>
+      <p:nvGrpSpPr>
+        <p:cNvPr id="1" name=""/>
+        <p:cNvGrpSpPr/>
+        <p:nvPr/>
+      </p:nvGrpSpPr>
+      <p:grpSpPr>
+        <a:xfrm>
+          <a:off x="0" y="0"/>
+          <a:ext cx="0" cy="0"/>
+          <a:chOff x="0" y="0"/>
+          <a:chExt cx="0" cy="0"/>
+        </a:xfrm>
+      </p:grpSpPr>
+      <p:sp>
+        <p:nvSpPr>
+          <p:cNvPr id="2" name="Title 1"/>
+          <p:cNvSpPr>
+            <a:spLocks noGrp="1"/>
+          </p:cNvSpPr>
+          <p:nvPr>
+            <p:ph type="title"/>
+          </p:nvPr>
+        </p:nvSpPr>
+        <p:spPr>
+          <a:xfrm>
+            <a:off x="265426" y="333375"/>
+            <a:ext cx="11589875" cy="725142"/>
+          </a:xfrm>
+        </p:spPr>
+        <p:txBody>
+          <a:bodyPr>
+            <a:normAutofit/>
+          </a:bodyPr>
+          <a:lstStyle/>
+          <a:p>
+            <a:r>
+              <a:rPr lang="fr-CA" sz="3000" dirty="0"/>
+              <a:t>Cahier des charges</a:t>
             </a:r>
             <a:endParaRPr lang="en-CA" sz="3000" dirty="0"/>
           </a:p>
@@ -6368,6 +7728,457 @@
           <a:lstStyle/>
           <a:p>
             <a:endParaRPr lang="fr-CA" dirty="0"/>
+          </a:p>
+        </p:txBody>
+      </p:sp>
+      <p:sp>
+        <p:nvSpPr>
+          <p:cNvPr id="3" name="Slide Number Placeholder 2"/>
+          <p:cNvSpPr>
+            <a:spLocks noGrp="1"/>
+          </p:cNvSpPr>
+          <p:nvPr>
+            <p:ph type="sldNum" sz="quarter" idx="12"/>
+          </p:nvPr>
+        </p:nvSpPr>
+        <p:spPr/>
+        <p:txBody>
+          <a:bodyPr/>
+          <a:lstStyle/>
+          <a:p>
+            <a:fld id="{E733B697-11A6-4686-A4B0-BC7222BD8556}" type="slidenum">
+              <a:rPr lang="en-CA" smtClean="0"/>
+              <a:t>13</a:t>
+            </a:fld>
+            <a:endParaRPr lang="en-CA"/>
+          </a:p>
+        </p:txBody>
+      </p:sp>
+    </p:spTree>
+    <p:extLst>
+      <p:ext uri="{BB962C8B-B14F-4D97-AF65-F5344CB8AC3E}">
+        <p14:creationId xmlns:p14="http://schemas.microsoft.com/office/powerpoint/2010/main" val="2947288721"/>
+      </p:ext>
+    </p:extLst>
+  </p:cSld>
+  <p:clrMapOvr>
+    <a:masterClrMapping/>
+  </p:clrMapOvr>
+</p:sld>
+</file>
+
+<file path=ppt/slides/slide14.xml><?xml version="1.0" encoding="utf-8"?>
+<p:sld xmlns:a="http://schemas.openxmlformats.org/drawingml/2006/main" xmlns:r="http://schemas.openxmlformats.org/officeDocument/2006/relationships" xmlns:p="http://schemas.openxmlformats.org/presentationml/2006/main">
+  <p:cSld>
+    <p:spTree>
+      <p:nvGrpSpPr>
+        <p:cNvPr id="1" name=""/>
+        <p:cNvGrpSpPr/>
+        <p:nvPr/>
+      </p:nvGrpSpPr>
+      <p:grpSpPr>
+        <a:xfrm>
+          <a:off x="0" y="0"/>
+          <a:ext cx="0" cy="0"/>
+          <a:chOff x="0" y="0"/>
+          <a:chExt cx="0" cy="0"/>
+        </a:xfrm>
+      </p:grpSpPr>
+      <p:sp>
+        <p:nvSpPr>
+          <p:cNvPr id="2" name="Title 1"/>
+          <p:cNvSpPr>
+            <a:spLocks noGrp="1"/>
+          </p:cNvSpPr>
+          <p:nvPr>
+            <p:ph type="title"/>
+          </p:nvPr>
+        </p:nvSpPr>
+        <p:spPr>
+          <a:xfrm>
+            <a:off x="265426" y="333375"/>
+            <a:ext cx="11589875" cy="725142"/>
+          </a:xfrm>
+        </p:spPr>
+        <p:txBody>
+          <a:bodyPr>
+            <a:normAutofit/>
+          </a:bodyPr>
+          <a:lstStyle/>
+          <a:p>
+            <a:r>
+              <a:rPr lang="fr-CA" sz="3000" dirty="0"/>
+              <a:t>Diagramme d’état-transition du prototype</a:t>
+            </a:r>
+            <a:endParaRPr lang="en-CA" sz="3000" dirty="0"/>
+          </a:p>
+        </p:txBody>
+      </p:sp>
+      <p:sp>
+        <p:nvSpPr>
+          <p:cNvPr id="5" name="Espace réservé du contenu 4"/>
+          <p:cNvSpPr>
+            <a:spLocks noGrp="1"/>
+          </p:cNvSpPr>
+          <p:nvPr>
+            <p:ph idx="1"/>
+          </p:nvPr>
+        </p:nvSpPr>
+        <p:spPr>
+          <a:xfrm>
+            <a:off x="708157" y="2088669"/>
+            <a:ext cx="8596668" cy="3880773"/>
+          </a:xfrm>
+        </p:spPr>
+        <p:txBody>
+          <a:bodyPr/>
+          <a:lstStyle/>
+          <a:p>
+            <a:endParaRPr lang="fr-CA" dirty="0"/>
+          </a:p>
+        </p:txBody>
+      </p:sp>
+      <p:sp>
+        <p:nvSpPr>
+          <p:cNvPr id="3" name="Slide Number Placeholder 2"/>
+          <p:cNvSpPr>
+            <a:spLocks noGrp="1"/>
+          </p:cNvSpPr>
+          <p:nvPr>
+            <p:ph type="sldNum" sz="quarter" idx="12"/>
+          </p:nvPr>
+        </p:nvSpPr>
+        <p:spPr/>
+        <p:txBody>
+          <a:bodyPr/>
+          <a:lstStyle/>
+          <a:p>
+            <a:fld id="{E733B697-11A6-4686-A4B0-BC7222BD8556}" type="slidenum">
+              <a:rPr lang="en-CA" smtClean="0"/>
+              <a:t>14</a:t>
+            </a:fld>
+            <a:endParaRPr lang="en-CA"/>
+          </a:p>
+        </p:txBody>
+      </p:sp>
+    </p:spTree>
+    <p:extLst>
+      <p:ext uri="{BB962C8B-B14F-4D97-AF65-F5344CB8AC3E}">
+        <p14:creationId xmlns:p14="http://schemas.microsoft.com/office/powerpoint/2010/main" val="2021187838"/>
+      </p:ext>
+    </p:extLst>
+  </p:cSld>
+  <p:clrMapOvr>
+    <a:masterClrMapping/>
+  </p:clrMapOvr>
+</p:sld>
+</file>
+
+<file path=ppt/slides/slide15.xml><?xml version="1.0" encoding="utf-8"?>
+<p:sld xmlns:a="http://schemas.openxmlformats.org/drawingml/2006/main" xmlns:r="http://schemas.openxmlformats.org/officeDocument/2006/relationships" xmlns:p="http://schemas.openxmlformats.org/presentationml/2006/main">
+  <p:cSld>
+    <p:spTree>
+      <p:nvGrpSpPr>
+        <p:cNvPr id="1" name=""/>
+        <p:cNvGrpSpPr/>
+        <p:nvPr/>
+      </p:nvGrpSpPr>
+      <p:grpSpPr>
+        <a:xfrm>
+          <a:off x="0" y="0"/>
+          <a:ext cx="0" cy="0"/>
+          <a:chOff x="0" y="0"/>
+          <a:chExt cx="0" cy="0"/>
+        </a:xfrm>
+      </p:grpSpPr>
+      <p:sp>
+        <p:nvSpPr>
+          <p:cNvPr id="2" name="Title 1"/>
+          <p:cNvSpPr>
+            <a:spLocks noGrp="1"/>
+          </p:cNvSpPr>
+          <p:nvPr>
+            <p:ph type="title"/>
+          </p:nvPr>
+        </p:nvSpPr>
+        <p:spPr>
+          <a:xfrm>
+            <a:off x="265426" y="333375"/>
+            <a:ext cx="11589875" cy="725142"/>
+          </a:xfrm>
+        </p:spPr>
+        <p:txBody>
+          <a:bodyPr>
+            <a:normAutofit/>
+          </a:bodyPr>
+          <a:lstStyle/>
+          <a:p>
+            <a:r>
+              <a:rPr lang="fr-CA" sz="3000" dirty="0"/>
+              <a:t>Diagramme de Gantt / outils de gestion</a:t>
+            </a:r>
+            <a:endParaRPr lang="en-CA" sz="3000" dirty="0"/>
+          </a:p>
+        </p:txBody>
+      </p:sp>
+      <p:sp>
+        <p:nvSpPr>
+          <p:cNvPr id="5" name="Espace réservé du contenu 4"/>
+          <p:cNvSpPr>
+            <a:spLocks noGrp="1"/>
+          </p:cNvSpPr>
+          <p:nvPr>
+            <p:ph idx="1"/>
+          </p:nvPr>
+        </p:nvSpPr>
+        <p:spPr>
+          <a:xfrm>
+            <a:off x="708157" y="2088669"/>
+            <a:ext cx="8596668" cy="3880773"/>
+          </a:xfrm>
+        </p:spPr>
+        <p:txBody>
+          <a:bodyPr/>
+          <a:lstStyle/>
+          <a:p>
+            <a:endParaRPr lang="fr-CA" dirty="0"/>
+          </a:p>
+        </p:txBody>
+      </p:sp>
+      <p:sp>
+        <p:nvSpPr>
+          <p:cNvPr id="3" name="Slide Number Placeholder 2"/>
+          <p:cNvSpPr>
+            <a:spLocks noGrp="1"/>
+          </p:cNvSpPr>
+          <p:nvPr>
+            <p:ph type="sldNum" sz="quarter" idx="12"/>
+          </p:nvPr>
+        </p:nvSpPr>
+        <p:spPr/>
+        <p:txBody>
+          <a:bodyPr/>
+          <a:lstStyle/>
+          <a:p>
+            <a:fld id="{E733B697-11A6-4686-A4B0-BC7222BD8556}" type="slidenum">
+              <a:rPr lang="en-CA" smtClean="0"/>
+              <a:t>15</a:t>
+            </a:fld>
+            <a:endParaRPr lang="en-CA"/>
+          </a:p>
+        </p:txBody>
+      </p:sp>
+    </p:spTree>
+    <p:extLst>
+      <p:ext uri="{BB962C8B-B14F-4D97-AF65-F5344CB8AC3E}">
+        <p14:creationId xmlns:p14="http://schemas.microsoft.com/office/powerpoint/2010/main" val="881386810"/>
+      </p:ext>
+    </p:extLst>
+  </p:cSld>
+  <p:clrMapOvr>
+    <a:masterClrMapping/>
+  </p:clrMapOvr>
+</p:sld>
+</file>
+
+<file path=ppt/slides/slide16.xml><?xml version="1.0" encoding="utf-8"?>
+<p:sld xmlns:a="http://schemas.openxmlformats.org/drawingml/2006/main" xmlns:r="http://schemas.openxmlformats.org/officeDocument/2006/relationships" xmlns:p="http://schemas.openxmlformats.org/presentationml/2006/main">
+  <p:cSld>
+    <p:spTree>
+      <p:nvGrpSpPr>
+        <p:cNvPr id="1" name=""/>
+        <p:cNvGrpSpPr/>
+        <p:nvPr/>
+      </p:nvGrpSpPr>
+      <p:grpSpPr>
+        <a:xfrm>
+          <a:off x="0" y="0"/>
+          <a:ext cx="0" cy="0"/>
+          <a:chOff x="0" y="0"/>
+          <a:chExt cx="0" cy="0"/>
+        </a:xfrm>
+      </p:grpSpPr>
+      <p:sp>
+        <p:nvSpPr>
+          <p:cNvPr id="2" name="Title 1"/>
+          <p:cNvSpPr>
+            <a:spLocks noGrp="1"/>
+          </p:cNvSpPr>
+          <p:nvPr>
+            <p:ph type="title"/>
+          </p:nvPr>
+        </p:nvSpPr>
+        <p:spPr>
+          <a:xfrm>
+            <a:off x="265426" y="333375"/>
+            <a:ext cx="11589875" cy="725142"/>
+          </a:xfrm>
+        </p:spPr>
+        <p:txBody>
+          <a:bodyPr>
+            <a:normAutofit/>
+          </a:bodyPr>
+          <a:lstStyle/>
+          <a:p>
+            <a:r>
+              <a:rPr lang="fr-CA" sz="3000" dirty="0"/>
+              <a:t>Gestion des risques</a:t>
+            </a:r>
+            <a:endParaRPr lang="en-CA" sz="3000" dirty="0"/>
+          </a:p>
+        </p:txBody>
+      </p:sp>
+      <p:sp>
+        <p:nvSpPr>
+          <p:cNvPr id="5" name="Espace réservé du contenu 4"/>
+          <p:cNvSpPr>
+            <a:spLocks noGrp="1"/>
+          </p:cNvSpPr>
+          <p:nvPr>
+            <p:ph idx="1"/>
+          </p:nvPr>
+        </p:nvSpPr>
+        <p:spPr>
+          <a:xfrm>
+            <a:off x="708157" y="2088669"/>
+            <a:ext cx="8596668" cy="3880773"/>
+          </a:xfrm>
+        </p:spPr>
+        <p:txBody>
+          <a:bodyPr/>
+          <a:lstStyle/>
+          <a:p>
+            <a:endParaRPr lang="fr-CA" dirty="0"/>
+          </a:p>
+        </p:txBody>
+      </p:sp>
+      <p:sp>
+        <p:nvSpPr>
+          <p:cNvPr id="3" name="Slide Number Placeholder 2"/>
+          <p:cNvSpPr>
+            <a:spLocks noGrp="1"/>
+          </p:cNvSpPr>
+          <p:nvPr>
+            <p:ph type="sldNum" sz="quarter" idx="12"/>
+          </p:nvPr>
+        </p:nvSpPr>
+        <p:spPr/>
+        <p:txBody>
+          <a:bodyPr/>
+          <a:lstStyle/>
+          <a:p>
+            <a:fld id="{E733B697-11A6-4686-A4B0-BC7222BD8556}" type="slidenum">
+              <a:rPr lang="en-CA" smtClean="0"/>
+              <a:t>16</a:t>
+            </a:fld>
+            <a:endParaRPr lang="en-CA"/>
+          </a:p>
+        </p:txBody>
+      </p:sp>
+    </p:spTree>
+    <p:extLst>
+      <p:ext uri="{BB962C8B-B14F-4D97-AF65-F5344CB8AC3E}">
+        <p14:creationId xmlns:p14="http://schemas.microsoft.com/office/powerpoint/2010/main" val="3737034658"/>
+      </p:ext>
+    </p:extLst>
+  </p:cSld>
+  <p:clrMapOvr>
+    <a:masterClrMapping/>
+  </p:clrMapOvr>
+</p:sld>
+</file>
+
+<file path=ppt/slides/slide17.xml><?xml version="1.0" encoding="utf-8"?>
+<p:sld xmlns:a="http://schemas.openxmlformats.org/drawingml/2006/main" xmlns:r="http://schemas.openxmlformats.org/officeDocument/2006/relationships" xmlns:p="http://schemas.openxmlformats.org/presentationml/2006/main">
+  <p:cSld>
+    <p:spTree>
+      <p:nvGrpSpPr>
+        <p:cNvPr id="1" name=""/>
+        <p:cNvGrpSpPr/>
+        <p:nvPr/>
+      </p:nvGrpSpPr>
+      <p:grpSpPr>
+        <a:xfrm>
+          <a:off x="0" y="0"/>
+          <a:ext cx="0" cy="0"/>
+          <a:chOff x="0" y="0"/>
+          <a:chExt cx="0" cy="0"/>
+        </a:xfrm>
+      </p:grpSpPr>
+      <p:sp>
+        <p:nvSpPr>
+          <p:cNvPr id="2" name="Title 1"/>
+          <p:cNvSpPr>
+            <a:spLocks noGrp="1"/>
+          </p:cNvSpPr>
+          <p:nvPr>
+            <p:ph type="title"/>
+          </p:nvPr>
+        </p:nvSpPr>
+        <p:spPr>
+          <a:xfrm>
+            <a:off x="265426" y="333375"/>
+            <a:ext cx="11589875" cy="725142"/>
+          </a:xfrm>
+        </p:spPr>
+        <p:txBody>
+          <a:bodyPr>
+            <a:normAutofit/>
+          </a:bodyPr>
+          <a:lstStyle/>
+          <a:p>
+            <a:r>
+              <a:rPr lang="fr-CA" sz="3000" dirty="0"/>
+              <a:t>Montage matériel</a:t>
+            </a:r>
+            <a:endParaRPr lang="en-CA" sz="3000" dirty="0"/>
+          </a:p>
+        </p:txBody>
+      </p:sp>
+      <p:sp>
+        <p:nvSpPr>
+          <p:cNvPr id="5" name="Espace réservé du contenu 4"/>
+          <p:cNvSpPr>
+            <a:spLocks noGrp="1"/>
+          </p:cNvSpPr>
+          <p:nvPr>
+            <p:ph idx="1"/>
+          </p:nvPr>
+        </p:nvSpPr>
+        <p:spPr>
+          <a:xfrm>
+            <a:off x="708157" y="2088669"/>
+            <a:ext cx="8596668" cy="3880773"/>
+          </a:xfrm>
+        </p:spPr>
+        <p:txBody>
+          <a:bodyPr/>
+          <a:lstStyle/>
+          <a:p>
+            <a:endParaRPr lang="fr-CA" dirty="0"/>
+          </a:p>
+        </p:txBody>
+      </p:sp>
+      <p:sp>
+        <p:nvSpPr>
+          <p:cNvPr id="3" name="Slide Number Placeholder 2"/>
+          <p:cNvSpPr>
+            <a:spLocks noGrp="1"/>
+          </p:cNvSpPr>
+          <p:nvPr>
+            <p:ph type="sldNum" sz="quarter" idx="12"/>
+          </p:nvPr>
+        </p:nvSpPr>
+        <p:spPr/>
+        <p:txBody>
+          <a:bodyPr/>
+          <a:lstStyle/>
+          <a:p>
+            <a:fld id="{E733B697-11A6-4686-A4B0-BC7222BD8556}" type="slidenum">
+              <a:rPr lang="en-CA" smtClean="0"/>
+              <a:t>17</a:t>
+            </a:fld>
+            <a:endParaRPr lang="en-CA"/>
           </a:p>
         </p:txBody>
       </p:sp>
@@ -6455,6 +8266,29 @@
           </a:p>
         </p:txBody>
       </p:sp>
+      <p:sp>
+        <p:nvSpPr>
+          <p:cNvPr id="3" name="Slide Number Placeholder 2"/>
+          <p:cNvSpPr>
+            <a:spLocks noGrp="1"/>
+          </p:cNvSpPr>
+          <p:nvPr>
+            <p:ph type="sldNum" sz="quarter" idx="12"/>
+          </p:nvPr>
+        </p:nvSpPr>
+        <p:spPr/>
+        <p:txBody>
+          <a:bodyPr/>
+          <a:lstStyle/>
+          <a:p>
+            <a:fld id="{E733B697-11A6-4686-A4B0-BC7222BD8556}" type="slidenum">
+              <a:rPr lang="en-CA" smtClean="0"/>
+              <a:t>2</a:t>
+            </a:fld>
+            <a:endParaRPr lang="en-CA"/>
+          </a:p>
+        </p:txBody>
+      </p:sp>
     </p:spTree>
     <p:extLst>
       <p:ext uri="{BB962C8B-B14F-4D97-AF65-F5344CB8AC3E}">
@@ -6539,6 +8373,29 @@
           </a:p>
         </p:txBody>
       </p:sp>
+      <p:sp>
+        <p:nvSpPr>
+          <p:cNvPr id="3" name="Slide Number Placeholder 2"/>
+          <p:cNvSpPr>
+            <a:spLocks noGrp="1"/>
+          </p:cNvSpPr>
+          <p:nvPr>
+            <p:ph type="sldNum" sz="quarter" idx="12"/>
+          </p:nvPr>
+        </p:nvSpPr>
+        <p:spPr/>
+        <p:txBody>
+          <a:bodyPr/>
+          <a:lstStyle/>
+          <a:p>
+            <a:fld id="{E733B697-11A6-4686-A4B0-BC7222BD8556}" type="slidenum">
+              <a:rPr lang="en-CA" smtClean="0"/>
+              <a:t>3</a:t>
+            </a:fld>
+            <a:endParaRPr lang="en-CA"/>
+          </a:p>
+        </p:txBody>
+      </p:sp>
     </p:spTree>
     <p:extLst>
       <p:ext uri="{BB962C8B-B14F-4D97-AF65-F5344CB8AC3E}">
@@ -6623,6 +8480,29 @@
           </a:p>
         </p:txBody>
       </p:sp>
+      <p:sp>
+        <p:nvSpPr>
+          <p:cNvPr id="3" name="Slide Number Placeholder 2"/>
+          <p:cNvSpPr>
+            <a:spLocks noGrp="1"/>
+          </p:cNvSpPr>
+          <p:nvPr>
+            <p:ph type="sldNum" sz="quarter" idx="12"/>
+          </p:nvPr>
+        </p:nvSpPr>
+        <p:spPr/>
+        <p:txBody>
+          <a:bodyPr/>
+          <a:lstStyle/>
+          <a:p>
+            <a:fld id="{E733B697-11A6-4686-A4B0-BC7222BD8556}" type="slidenum">
+              <a:rPr lang="en-CA" smtClean="0"/>
+              <a:t>4</a:t>
+            </a:fld>
+            <a:endParaRPr lang="en-CA"/>
+          </a:p>
+        </p:txBody>
+      </p:sp>
     </p:spTree>
     <p:extLst>
       <p:ext uri="{BB962C8B-B14F-4D97-AF65-F5344CB8AC3E}">
@@ -6707,6 +8587,29 @@
           </a:p>
         </p:txBody>
       </p:sp>
+      <p:sp>
+        <p:nvSpPr>
+          <p:cNvPr id="3" name="Slide Number Placeholder 2"/>
+          <p:cNvSpPr>
+            <a:spLocks noGrp="1"/>
+          </p:cNvSpPr>
+          <p:nvPr>
+            <p:ph type="sldNum" sz="quarter" idx="12"/>
+          </p:nvPr>
+        </p:nvSpPr>
+        <p:spPr/>
+        <p:txBody>
+          <a:bodyPr/>
+          <a:lstStyle/>
+          <a:p>
+            <a:fld id="{E733B697-11A6-4686-A4B0-BC7222BD8556}" type="slidenum">
+              <a:rPr lang="en-CA" smtClean="0"/>
+              <a:t>5</a:t>
+            </a:fld>
+            <a:endParaRPr lang="en-CA"/>
+          </a:p>
+        </p:txBody>
+      </p:sp>
     </p:spTree>
     <p:extLst>
       <p:ext uri="{BB962C8B-B14F-4D97-AF65-F5344CB8AC3E}">
@@ -6791,6 +8694,29 @@
           </a:p>
         </p:txBody>
       </p:sp>
+      <p:sp>
+        <p:nvSpPr>
+          <p:cNvPr id="3" name="Slide Number Placeholder 2"/>
+          <p:cNvSpPr>
+            <a:spLocks noGrp="1"/>
+          </p:cNvSpPr>
+          <p:nvPr>
+            <p:ph type="sldNum" sz="quarter" idx="12"/>
+          </p:nvPr>
+        </p:nvSpPr>
+        <p:spPr/>
+        <p:txBody>
+          <a:bodyPr/>
+          <a:lstStyle/>
+          <a:p>
+            <a:fld id="{E733B697-11A6-4686-A4B0-BC7222BD8556}" type="slidenum">
+              <a:rPr lang="en-CA" smtClean="0"/>
+              <a:t>6</a:t>
+            </a:fld>
+            <a:endParaRPr lang="en-CA"/>
+          </a:p>
+        </p:txBody>
+      </p:sp>
     </p:spTree>
     <p:extLst>
       <p:ext uri="{BB962C8B-B14F-4D97-AF65-F5344CB8AC3E}">
@@ -6863,15 +8789,158 @@
         </p:nvSpPr>
         <p:spPr>
           <a:xfrm>
-            <a:off x="708157" y="2088669"/>
-            <a:ext cx="8596668" cy="3880773"/>
+            <a:off x="708157" y="2393679"/>
+            <a:ext cx="8596668" cy="1492521"/>
           </a:xfrm>
         </p:spPr>
         <p:txBody>
+          <a:bodyPr>
+            <a:noAutofit/>
+          </a:bodyPr>
+          <a:lstStyle/>
+          <a:p>
+            <a:pPr algn="just"/>
+            <a:r>
+              <a:rPr lang="fr-CA" sz="2400" dirty="0"/>
+              <a:t>S’assurer que les spécifications techniques sont respectées.</a:t>
+            </a:r>
+            <a:endParaRPr lang="en-CA" sz="2400" dirty="0"/>
+          </a:p>
+          <a:p>
+            <a:pPr algn="just"/>
+            <a:r>
+              <a:rPr lang="fr-CA" sz="2400" dirty="0"/>
+              <a:t>Faciliter la gestion (et résolutions) d’erreurs des modules techniques.</a:t>
+            </a:r>
+            <a:endParaRPr lang="en-CA" sz="2400" dirty="0"/>
+          </a:p>
+          <a:p>
+            <a:endParaRPr lang="fr-CA" sz="2400" dirty="0"/>
+          </a:p>
+        </p:txBody>
+      </p:sp>
+      <p:sp>
+        <p:nvSpPr>
+          <p:cNvPr id="6" name="Title 1"/>
+          <p:cNvSpPr txBox="1">
+            <a:spLocks/>
+          </p:cNvSpPr>
+          <p:nvPr/>
+        </p:nvSpPr>
+        <p:spPr>
+          <a:xfrm>
+            <a:off x="708157" y="1165197"/>
+            <a:ext cx="11589875" cy="725142"/>
+          </a:xfrm>
+          <a:prstGeom prst="rect">
+            <a:avLst/>
+          </a:prstGeom>
+        </p:spPr>
+        <p:txBody>
+          <a:bodyPr vert="horz" lIns="91440" tIns="45720" rIns="91440" bIns="45720" rtlCol="0" anchor="t">
+            <a:normAutofit/>
+          </a:bodyPr>
+          <a:lstStyle>
+            <a:lvl1pPr algn="l" defTabSz="457200" rtl="0" eaLnBrk="1" latinLnBrk="0" hangingPunct="1">
+              <a:spcBef>
+                <a:spcPct val="0"/>
+              </a:spcBef>
+              <a:buNone/>
+              <a:defRPr sz="3600" kern="1200">
+                <a:solidFill>
+                  <a:schemeClr val="accent1"/>
+                </a:solidFill>
+                <a:latin typeface="+mj-lt"/>
+                <a:ea typeface="+mj-ea"/>
+                <a:cs typeface="+mj-cs"/>
+              </a:defRPr>
+            </a:lvl1pPr>
+            <a:lvl2pPr eaLnBrk="1" hangingPunct="1">
+              <a:defRPr>
+                <a:solidFill>
+                  <a:schemeClr val="tx2"/>
+                </a:solidFill>
+              </a:defRPr>
+            </a:lvl2pPr>
+            <a:lvl3pPr eaLnBrk="1" hangingPunct="1">
+              <a:defRPr>
+                <a:solidFill>
+                  <a:schemeClr val="tx2"/>
+                </a:solidFill>
+              </a:defRPr>
+            </a:lvl3pPr>
+            <a:lvl4pPr eaLnBrk="1" hangingPunct="1">
+              <a:defRPr>
+                <a:solidFill>
+                  <a:schemeClr val="tx2"/>
+                </a:solidFill>
+              </a:defRPr>
+            </a:lvl4pPr>
+            <a:lvl5pPr eaLnBrk="1" hangingPunct="1">
+              <a:defRPr>
+                <a:solidFill>
+                  <a:schemeClr val="tx2"/>
+                </a:solidFill>
+              </a:defRPr>
+            </a:lvl5pPr>
+            <a:lvl6pPr eaLnBrk="1" hangingPunct="1">
+              <a:defRPr>
+                <a:solidFill>
+                  <a:schemeClr val="tx2"/>
+                </a:solidFill>
+              </a:defRPr>
+            </a:lvl6pPr>
+            <a:lvl7pPr eaLnBrk="1" hangingPunct="1">
+              <a:defRPr>
+                <a:solidFill>
+                  <a:schemeClr val="tx2"/>
+                </a:solidFill>
+              </a:defRPr>
+            </a:lvl7pPr>
+            <a:lvl8pPr eaLnBrk="1" hangingPunct="1">
+              <a:defRPr>
+                <a:solidFill>
+                  <a:schemeClr val="tx2"/>
+                </a:solidFill>
+              </a:defRPr>
+            </a:lvl8pPr>
+            <a:lvl9pPr eaLnBrk="1" hangingPunct="1">
+              <a:defRPr>
+                <a:solidFill>
+                  <a:schemeClr val="tx2"/>
+                </a:solidFill>
+              </a:defRPr>
+            </a:lvl9pPr>
+          </a:lstStyle>
+          <a:p>
+            <a:r>
+              <a:rPr lang="fr-FR" sz="3000" dirty="0"/>
+              <a:t>Buts de l’assurance qualité</a:t>
+            </a:r>
+            <a:endParaRPr lang="en-CA" sz="3000" dirty="0"/>
+          </a:p>
+        </p:txBody>
+      </p:sp>
+      <p:sp>
+        <p:nvSpPr>
+          <p:cNvPr id="3" name="Slide Number Placeholder 2"/>
+          <p:cNvSpPr>
+            <a:spLocks noGrp="1"/>
+          </p:cNvSpPr>
+          <p:nvPr>
+            <p:ph type="sldNum" sz="quarter" idx="12"/>
+          </p:nvPr>
+        </p:nvSpPr>
+        <p:spPr/>
+        <p:txBody>
           <a:bodyPr/>
           <a:lstStyle/>
           <a:p>
-            <a:endParaRPr lang="fr-CA" dirty="0"/>
+            <a:fld id="{E733B697-11A6-4686-A4B0-BC7222BD8556}" type="slidenum">
+              <a:rPr lang="en-CA" smtClean="0"/>
+              <a:t>7</a:t>
+            </a:fld>
+            <a:endParaRPr lang="en-CA"/>
           </a:p>
         </p:txBody>
       </p:sp>
@@ -6929,7 +8998,7 @@
           <a:p>
             <a:r>
               <a:rPr lang="fr-CA" sz="3000" dirty="0"/>
-              <a:t>Cahier des charges</a:t>
+              <a:t>Plan d’Assurance Qualité</a:t>
             </a:r>
             <a:endParaRPr lang="en-CA" sz="3000" dirty="0"/>
           </a:p>
@@ -6947,22 +9016,360 @@
         </p:nvSpPr>
         <p:spPr>
           <a:xfrm>
-            <a:off x="708157" y="2088669"/>
-            <a:ext cx="8596668" cy="3880773"/>
+            <a:off x="708156" y="2278137"/>
+            <a:ext cx="9106403" cy="3391143"/>
           </a:xfrm>
         </p:spPr>
         <p:txBody>
+          <a:bodyPr>
+            <a:noAutofit/>
+          </a:bodyPr>
+          <a:lstStyle/>
+          <a:p>
+            <a:pPr lvl="0" algn="just"/>
+            <a:r>
+              <a:rPr lang="fr-CA" sz="2800" dirty="0"/>
+              <a:t>L’équipe qui conçoit les tests =/= équipe qui exécute les tests</a:t>
+            </a:r>
+            <a:endParaRPr lang="en-CA" sz="2800" dirty="0"/>
+          </a:p>
+          <a:p>
+            <a:pPr lvl="0" algn="just"/>
+            <a:r>
+              <a:rPr lang="fr-CA" sz="2800" dirty="0"/>
+              <a:t>Chaque test doit contenir les trois sections suivantes :</a:t>
+            </a:r>
+            <a:endParaRPr lang="en-CA" sz="2800" dirty="0"/>
+          </a:p>
+          <a:p>
+            <a:pPr lvl="1" algn="just"/>
+            <a:r>
+              <a:rPr lang="fr-CA" sz="2400" dirty="0"/>
+              <a:t>Étapes préalables (</a:t>
+            </a:r>
+            <a:r>
+              <a:rPr lang="fr-CA" sz="2400" i="1" dirty="0" err="1"/>
+              <a:t>Preconditions</a:t>
+            </a:r>
+            <a:r>
+              <a:rPr lang="fr-CA" sz="2400" dirty="0"/>
+              <a:t>).</a:t>
+            </a:r>
+            <a:endParaRPr lang="en-CA" sz="2400" dirty="0"/>
+          </a:p>
+          <a:p>
+            <a:pPr lvl="1" algn="just"/>
+            <a:r>
+              <a:rPr lang="en-CA" sz="2400" dirty="0" err="1"/>
+              <a:t>Étapes</a:t>
+            </a:r>
+            <a:r>
+              <a:rPr lang="en-CA" sz="2400" dirty="0"/>
+              <a:t> à </a:t>
+            </a:r>
+            <a:r>
+              <a:rPr lang="en-CA" sz="2400" dirty="0" err="1"/>
+              <a:t>exécuter</a:t>
+            </a:r>
+            <a:r>
+              <a:rPr lang="en-CA" sz="2400" dirty="0"/>
+              <a:t> (</a:t>
+            </a:r>
+            <a:r>
+              <a:rPr lang="en-CA" sz="2400" i="1" dirty="0"/>
+              <a:t>Steps to execute</a:t>
+            </a:r>
+            <a:r>
+              <a:rPr lang="en-CA" sz="2400" dirty="0"/>
+              <a:t>).</a:t>
+            </a:r>
+          </a:p>
+          <a:p>
+            <a:pPr lvl="1" algn="just"/>
+            <a:r>
+              <a:rPr lang="fr-CA" sz="2400" dirty="0"/>
+              <a:t>Résultat attend (</a:t>
+            </a:r>
+            <a:r>
+              <a:rPr lang="fr-CA" sz="2400" i="1" dirty="0" err="1"/>
+              <a:t>Expected</a:t>
+            </a:r>
+            <a:r>
+              <a:rPr lang="fr-CA" sz="2400" i="1" dirty="0"/>
+              <a:t> </a:t>
+            </a:r>
+            <a:r>
+              <a:rPr lang="fr-CA" sz="2400" i="1" dirty="0" err="1"/>
+              <a:t>result</a:t>
+            </a:r>
+            <a:r>
+              <a:rPr lang="fr-CA" sz="2400" dirty="0"/>
+              <a:t>).</a:t>
+            </a:r>
+            <a:endParaRPr lang="en-CA" sz="2400" dirty="0"/>
+          </a:p>
+          <a:p>
+            <a:pPr lvl="0" algn="just"/>
+            <a:r>
+              <a:rPr lang="en-CA" sz="2800" dirty="0"/>
+              <a:t>Test de regression (environ 20 % de </a:t>
+            </a:r>
+            <a:r>
+              <a:rPr lang="en-CA" sz="2800" dirty="0" err="1"/>
+              <a:t>tous</a:t>
+            </a:r>
+            <a:r>
+              <a:rPr lang="en-CA" sz="2800" dirty="0"/>
+              <a:t> les tests).</a:t>
+            </a:r>
+          </a:p>
+          <a:p>
+            <a:pPr marL="0" indent="0" algn="just">
+              <a:buNone/>
+            </a:pPr>
+            <a:endParaRPr lang="fr-CA" sz="2400" dirty="0"/>
+          </a:p>
+        </p:txBody>
+      </p:sp>
+      <p:sp>
+        <p:nvSpPr>
+          <p:cNvPr id="6" name="Title 1"/>
+          <p:cNvSpPr txBox="1">
+            <a:spLocks/>
+          </p:cNvSpPr>
+          <p:nvPr/>
+        </p:nvSpPr>
+        <p:spPr>
+          <a:xfrm>
+            <a:off x="449077" y="943185"/>
+            <a:ext cx="11589875" cy="725142"/>
+          </a:xfrm>
+          <a:prstGeom prst="rect">
+            <a:avLst/>
+          </a:prstGeom>
+        </p:spPr>
+        <p:txBody>
+          <a:bodyPr vert="horz" lIns="91440" tIns="45720" rIns="91440" bIns="45720" rtlCol="0" anchor="t">
+            <a:normAutofit/>
+          </a:bodyPr>
+          <a:lstStyle>
+            <a:lvl1pPr algn="l" defTabSz="457200" rtl="0" eaLnBrk="1" latinLnBrk="0" hangingPunct="1">
+              <a:spcBef>
+                <a:spcPct val="0"/>
+              </a:spcBef>
+              <a:buNone/>
+              <a:defRPr sz="3600" kern="1200">
+                <a:solidFill>
+                  <a:schemeClr val="accent1"/>
+                </a:solidFill>
+                <a:latin typeface="+mj-lt"/>
+                <a:ea typeface="+mj-ea"/>
+                <a:cs typeface="+mj-cs"/>
+              </a:defRPr>
+            </a:lvl1pPr>
+            <a:lvl2pPr eaLnBrk="1" hangingPunct="1">
+              <a:defRPr>
+                <a:solidFill>
+                  <a:schemeClr val="tx2"/>
+                </a:solidFill>
+              </a:defRPr>
+            </a:lvl2pPr>
+            <a:lvl3pPr eaLnBrk="1" hangingPunct="1">
+              <a:defRPr>
+                <a:solidFill>
+                  <a:schemeClr val="tx2"/>
+                </a:solidFill>
+              </a:defRPr>
+            </a:lvl3pPr>
+            <a:lvl4pPr eaLnBrk="1" hangingPunct="1">
+              <a:defRPr>
+                <a:solidFill>
+                  <a:schemeClr val="tx2"/>
+                </a:solidFill>
+              </a:defRPr>
+            </a:lvl4pPr>
+            <a:lvl5pPr eaLnBrk="1" hangingPunct="1">
+              <a:defRPr>
+                <a:solidFill>
+                  <a:schemeClr val="tx2"/>
+                </a:solidFill>
+              </a:defRPr>
+            </a:lvl5pPr>
+            <a:lvl6pPr eaLnBrk="1" hangingPunct="1">
+              <a:defRPr>
+                <a:solidFill>
+                  <a:schemeClr val="tx2"/>
+                </a:solidFill>
+              </a:defRPr>
+            </a:lvl6pPr>
+            <a:lvl7pPr eaLnBrk="1" hangingPunct="1">
+              <a:defRPr>
+                <a:solidFill>
+                  <a:schemeClr val="tx2"/>
+                </a:solidFill>
+              </a:defRPr>
+            </a:lvl7pPr>
+            <a:lvl8pPr eaLnBrk="1" hangingPunct="1">
+              <a:defRPr>
+                <a:solidFill>
+                  <a:schemeClr val="tx2"/>
+                </a:solidFill>
+              </a:defRPr>
+            </a:lvl8pPr>
+            <a:lvl9pPr eaLnBrk="1" hangingPunct="1">
+              <a:defRPr>
+                <a:solidFill>
+                  <a:schemeClr val="tx2"/>
+                </a:solidFill>
+              </a:defRPr>
+            </a:lvl9pPr>
+          </a:lstStyle>
+          <a:p>
+            <a:r>
+              <a:rPr lang="fr-FR" sz="3000" dirty="0"/>
+              <a:t>Fonctionnement de l’assurance qualité</a:t>
+            </a:r>
+            <a:endParaRPr lang="en-CA" sz="3000" dirty="0"/>
+          </a:p>
+        </p:txBody>
+      </p:sp>
+      <p:sp>
+        <p:nvSpPr>
+          <p:cNvPr id="7" name="Title 1"/>
+          <p:cNvSpPr txBox="1">
+            <a:spLocks/>
+          </p:cNvSpPr>
+          <p:nvPr/>
+        </p:nvSpPr>
+        <p:spPr>
+          <a:xfrm>
+            <a:off x="708157" y="1552995"/>
+            <a:ext cx="11589875" cy="725142"/>
+          </a:xfrm>
+          <a:prstGeom prst="rect">
+            <a:avLst/>
+          </a:prstGeom>
+        </p:spPr>
+        <p:txBody>
+          <a:bodyPr vert="horz" lIns="91440" tIns="45720" rIns="91440" bIns="45720" rtlCol="0" anchor="t">
+            <a:normAutofit/>
+          </a:bodyPr>
+          <a:lstStyle>
+            <a:lvl1pPr algn="l" defTabSz="457200" rtl="0" eaLnBrk="1" latinLnBrk="0" hangingPunct="1">
+              <a:spcBef>
+                <a:spcPct val="0"/>
+              </a:spcBef>
+              <a:buNone/>
+              <a:defRPr sz="3600" kern="1200">
+                <a:solidFill>
+                  <a:schemeClr val="accent1"/>
+                </a:solidFill>
+                <a:latin typeface="+mj-lt"/>
+                <a:ea typeface="+mj-ea"/>
+                <a:cs typeface="+mj-cs"/>
+              </a:defRPr>
+            </a:lvl1pPr>
+            <a:lvl2pPr eaLnBrk="1" hangingPunct="1">
+              <a:defRPr>
+                <a:solidFill>
+                  <a:schemeClr val="tx2"/>
+                </a:solidFill>
+              </a:defRPr>
+            </a:lvl2pPr>
+            <a:lvl3pPr eaLnBrk="1" hangingPunct="1">
+              <a:defRPr>
+                <a:solidFill>
+                  <a:schemeClr val="tx2"/>
+                </a:solidFill>
+              </a:defRPr>
+            </a:lvl3pPr>
+            <a:lvl4pPr eaLnBrk="1" hangingPunct="1">
+              <a:defRPr>
+                <a:solidFill>
+                  <a:schemeClr val="tx2"/>
+                </a:solidFill>
+              </a:defRPr>
+            </a:lvl4pPr>
+            <a:lvl5pPr eaLnBrk="1" hangingPunct="1">
+              <a:defRPr>
+                <a:solidFill>
+                  <a:schemeClr val="tx2"/>
+                </a:solidFill>
+              </a:defRPr>
+            </a:lvl5pPr>
+            <a:lvl6pPr eaLnBrk="1" hangingPunct="1">
+              <a:defRPr>
+                <a:solidFill>
+                  <a:schemeClr val="tx2"/>
+                </a:solidFill>
+              </a:defRPr>
+            </a:lvl6pPr>
+            <a:lvl7pPr eaLnBrk="1" hangingPunct="1">
+              <a:defRPr>
+                <a:solidFill>
+                  <a:schemeClr val="tx2"/>
+                </a:solidFill>
+              </a:defRPr>
+            </a:lvl7pPr>
+            <a:lvl8pPr eaLnBrk="1" hangingPunct="1">
+              <a:defRPr>
+                <a:solidFill>
+                  <a:schemeClr val="tx2"/>
+                </a:solidFill>
+              </a:defRPr>
+            </a:lvl8pPr>
+            <a:lvl9pPr eaLnBrk="1" hangingPunct="1">
+              <a:defRPr>
+                <a:solidFill>
+                  <a:schemeClr val="tx2"/>
+                </a:solidFill>
+              </a:defRPr>
+            </a:lvl9pPr>
+          </a:lstStyle>
+          <a:p>
+            <a:r>
+              <a:rPr lang="fr-FR" sz="3000" dirty="0">
+                <a:solidFill>
+                  <a:schemeClr val="tx1"/>
+                </a:solidFill>
+              </a:rPr>
+              <a:t>Écriture des tests</a:t>
+            </a:r>
+            <a:endParaRPr lang="en-CA" sz="3000" dirty="0">
+              <a:solidFill>
+                <a:schemeClr val="tx1"/>
+              </a:solidFill>
+            </a:endParaRPr>
+          </a:p>
+        </p:txBody>
+      </p:sp>
+      <p:sp>
+        <p:nvSpPr>
+          <p:cNvPr id="3" name="Slide Number Placeholder 2"/>
+          <p:cNvSpPr>
+            <a:spLocks noGrp="1"/>
+          </p:cNvSpPr>
+          <p:nvPr>
+            <p:ph type="sldNum" sz="quarter" idx="12"/>
+          </p:nvPr>
+        </p:nvSpPr>
+        <p:spPr/>
+        <p:txBody>
           <a:bodyPr/>
           <a:lstStyle/>
           <a:p>
-            <a:endParaRPr lang="fr-CA" dirty="0"/>
+            <a:fld id="{E733B697-11A6-4686-A4B0-BC7222BD8556}" type="slidenum">
+              <a:rPr lang="en-CA" smtClean="0"/>
+              <a:t>8</a:t>
+            </a:fld>
+            <a:endParaRPr lang="en-CA"/>
           </a:p>
         </p:txBody>
       </p:sp>
     </p:spTree>
     <p:extLst>
       <p:ext uri="{BB962C8B-B14F-4D97-AF65-F5344CB8AC3E}">
-        <p14:creationId xmlns:p14="http://schemas.microsoft.com/office/powerpoint/2010/main" val="2947288721"/>
+        <p14:creationId xmlns:p14="http://schemas.microsoft.com/office/powerpoint/2010/main" val="2176928465"/>
       </p:ext>
     </p:extLst>
   </p:cSld>
@@ -7013,7 +9420,7 @@
           <a:p>
             <a:r>
               <a:rPr lang="fr-CA" sz="3000" dirty="0"/>
-              <a:t>Diagramme d’état-transition du prototype</a:t>
+              <a:t>Plan d’Assurance Qualité</a:t>
             </a:r>
             <a:endParaRPr lang="en-CA" sz="3000" dirty="0"/>
           </a:p>
@@ -7031,22 +9438,280 @@
         </p:nvSpPr>
         <p:spPr>
           <a:xfrm>
-            <a:off x="708157" y="2088669"/>
-            <a:ext cx="8596668" cy="3880773"/>
+            <a:off x="708156" y="2278137"/>
+            <a:ext cx="9106403" cy="1958583"/>
           </a:xfrm>
         </p:spPr>
         <p:txBody>
+          <a:bodyPr>
+            <a:noAutofit/>
+          </a:bodyPr>
+          <a:lstStyle/>
+          <a:p>
+            <a:pPr lvl="0" algn="just"/>
+            <a:r>
+              <a:rPr lang="fr-CA" sz="3200" dirty="0"/>
+              <a:t>Trois passes d’exécution possibles (par module) :</a:t>
+            </a:r>
+            <a:endParaRPr lang="en-CA" sz="3200" dirty="0"/>
+          </a:p>
+          <a:p>
+            <a:pPr lvl="0" algn="just"/>
+            <a:r>
+              <a:rPr lang="fr-CA" sz="3200" dirty="0"/>
+              <a:t>Lorsqu’un module subit des changements importants, il est essentiel de refaire la première passe.</a:t>
+            </a:r>
+            <a:endParaRPr lang="en-CA" sz="3200" dirty="0"/>
+          </a:p>
+          <a:p>
+            <a:pPr lvl="0" algn="just"/>
+            <a:r>
+              <a:rPr lang="fr-CA" sz="3200" dirty="0"/>
+              <a:t> Laisser un commentaire significatif à la fin du test.</a:t>
+            </a:r>
+            <a:endParaRPr lang="en-CA" sz="3200" dirty="0"/>
+          </a:p>
+        </p:txBody>
+      </p:sp>
+      <p:sp>
+        <p:nvSpPr>
+          <p:cNvPr id="6" name="Title 1"/>
+          <p:cNvSpPr txBox="1">
+            <a:spLocks/>
+          </p:cNvSpPr>
+          <p:nvPr/>
+        </p:nvSpPr>
+        <p:spPr>
+          <a:xfrm>
+            <a:off x="449077" y="943185"/>
+            <a:ext cx="11589875" cy="725142"/>
+          </a:xfrm>
+          <a:prstGeom prst="rect">
+            <a:avLst/>
+          </a:prstGeom>
+        </p:spPr>
+        <p:txBody>
+          <a:bodyPr vert="horz" lIns="91440" tIns="45720" rIns="91440" bIns="45720" rtlCol="0" anchor="t">
+            <a:normAutofit/>
+          </a:bodyPr>
+          <a:lstStyle>
+            <a:lvl1pPr algn="l" defTabSz="457200" rtl="0" eaLnBrk="1" latinLnBrk="0" hangingPunct="1">
+              <a:spcBef>
+                <a:spcPct val="0"/>
+              </a:spcBef>
+              <a:buNone/>
+              <a:defRPr sz="3600" kern="1200">
+                <a:solidFill>
+                  <a:schemeClr val="accent1"/>
+                </a:solidFill>
+                <a:latin typeface="+mj-lt"/>
+                <a:ea typeface="+mj-ea"/>
+                <a:cs typeface="+mj-cs"/>
+              </a:defRPr>
+            </a:lvl1pPr>
+            <a:lvl2pPr eaLnBrk="1" hangingPunct="1">
+              <a:defRPr>
+                <a:solidFill>
+                  <a:schemeClr val="tx2"/>
+                </a:solidFill>
+              </a:defRPr>
+            </a:lvl2pPr>
+            <a:lvl3pPr eaLnBrk="1" hangingPunct="1">
+              <a:defRPr>
+                <a:solidFill>
+                  <a:schemeClr val="tx2"/>
+                </a:solidFill>
+              </a:defRPr>
+            </a:lvl3pPr>
+            <a:lvl4pPr eaLnBrk="1" hangingPunct="1">
+              <a:defRPr>
+                <a:solidFill>
+                  <a:schemeClr val="tx2"/>
+                </a:solidFill>
+              </a:defRPr>
+            </a:lvl4pPr>
+            <a:lvl5pPr eaLnBrk="1" hangingPunct="1">
+              <a:defRPr>
+                <a:solidFill>
+                  <a:schemeClr val="tx2"/>
+                </a:solidFill>
+              </a:defRPr>
+            </a:lvl5pPr>
+            <a:lvl6pPr eaLnBrk="1" hangingPunct="1">
+              <a:defRPr>
+                <a:solidFill>
+                  <a:schemeClr val="tx2"/>
+                </a:solidFill>
+              </a:defRPr>
+            </a:lvl6pPr>
+            <a:lvl7pPr eaLnBrk="1" hangingPunct="1">
+              <a:defRPr>
+                <a:solidFill>
+                  <a:schemeClr val="tx2"/>
+                </a:solidFill>
+              </a:defRPr>
+            </a:lvl7pPr>
+            <a:lvl8pPr eaLnBrk="1" hangingPunct="1">
+              <a:defRPr>
+                <a:solidFill>
+                  <a:schemeClr val="tx2"/>
+                </a:solidFill>
+              </a:defRPr>
+            </a:lvl8pPr>
+            <a:lvl9pPr eaLnBrk="1" hangingPunct="1">
+              <a:defRPr>
+                <a:solidFill>
+                  <a:schemeClr val="tx2"/>
+                </a:solidFill>
+              </a:defRPr>
+            </a:lvl9pPr>
+          </a:lstStyle>
+          <a:p>
+            <a:r>
+              <a:rPr lang="fr-FR" sz="3000" dirty="0"/>
+              <a:t>Fonctionnement de l’assurance qualité</a:t>
+            </a:r>
+            <a:endParaRPr lang="en-CA" sz="3000" dirty="0"/>
+          </a:p>
+        </p:txBody>
+      </p:sp>
+      <p:sp>
+        <p:nvSpPr>
+          <p:cNvPr id="7" name="Title 1"/>
+          <p:cNvSpPr txBox="1">
+            <a:spLocks/>
+          </p:cNvSpPr>
+          <p:nvPr/>
+        </p:nvSpPr>
+        <p:spPr>
+          <a:xfrm>
+            <a:off x="708157" y="1552995"/>
+            <a:ext cx="11589875" cy="725142"/>
+          </a:xfrm>
+          <a:prstGeom prst="rect">
+            <a:avLst/>
+          </a:prstGeom>
+        </p:spPr>
+        <p:txBody>
+          <a:bodyPr vert="horz" lIns="91440" tIns="45720" rIns="91440" bIns="45720" rtlCol="0" anchor="t">
+            <a:normAutofit/>
+          </a:bodyPr>
+          <a:lstStyle>
+            <a:lvl1pPr algn="l" defTabSz="457200" rtl="0" eaLnBrk="1" latinLnBrk="0" hangingPunct="1">
+              <a:spcBef>
+                <a:spcPct val="0"/>
+              </a:spcBef>
+              <a:buNone/>
+              <a:defRPr sz="3600" kern="1200">
+                <a:solidFill>
+                  <a:schemeClr val="accent1"/>
+                </a:solidFill>
+                <a:latin typeface="+mj-lt"/>
+                <a:ea typeface="+mj-ea"/>
+                <a:cs typeface="+mj-cs"/>
+              </a:defRPr>
+            </a:lvl1pPr>
+            <a:lvl2pPr eaLnBrk="1" hangingPunct="1">
+              <a:defRPr>
+                <a:solidFill>
+                  <a:schemeClr val="tx2"/>
+                </a:solidFill>
+              </a:defRPr>
+            </a:lvl2pPr>
+            <a:lvl3pPr eaLnBrk="1" hangingPunct="1">
+              <a:defRPr>
+                <a:solidFill>
+                  <a:schemeClr val="tx2"/>
+                </a:solidFill>
+              </a:defRPr>
+            </a:lvl3pPr>
+            <a:lvl4pPr eaLnBrk="1" hangingPunct="1">
+              <a:defRPr>
+                <a:solidFill>
+                  <a:schemeClr val="tx2"/>
+                </a:solidFill>
+              </a:defRPr>
+            </a:lvl4pPr>
+            <a:lvl5pPr eaLnBrk="1" hangingPunct="1">
+              <a:defRPr>
+                <a:solidFill>
+                  <a:schemeClr val="tx2"/>
+                </a:solidFill>
+              </a:defRPr>
+            </a:lvl5pPr>
+            <a:lvl6pPr eaLnBrk="1" hangingPunct="1">
+              <a:defRPr>
+                <a:solidFill>
+                  <a:schemeClr val="tx2"/>
+                </a:solidFill>
+              </a:defRPr>
+            </a:lvl6pPr>
+            <a:lvl7pPr eaLnBrk="1" hangingPunct="1">
+              <a:defRPr>
+                <a:solidFill>
+                  <a:schemeClr val="tx2"/>
+                </a:solidFill>
+              </a:defRPr>
+            </a:lvl7pPr>
+            <a:lvl8pPr eaLnBrk="1" hangingPunct="1">
+              <a:defRPr>
+                <a:solidFill>
+                  <a:schemeClr val="tx2"/>
+                </a:solidFill>
+              </a:defRPr>
+            </a:lvl8pPr>
+            <a:lvl9pPr eaLnBrk="1" hangingPunct="1">
+              <a:defRPr>
+                <a:solidFill>
+                  <a:schemeClr val="tx2"/>
+                </a:solidFill>
+              </a:defRPr>
+            </a:lvl9pPr>
+          </a:lstStyle>
+          <a:p>
+            <a:r>
+              <a:rPr lang="fr-FR" sz="3000" dirty="0">
+                <a:solidFill>
+                  <a:schemeClr val="tx1"/>
+                </a:solidFill>
+              </a:rPr>
+              <a:t>Exécution des tests</a:t>
+            </a:r>
+            <a:endParaRPr lang="en-CA" sz="3000" dirty="0">
+              <a:solidFill>
+                <a:schemeClr val="tx1"/>
+              </a:solidFill>
+            </a:endParaRPr>
+          </a:p>
+        </p:txBody>
+      </p:sp>
+      <p:sp>
+        <p:nvSpPr>
+          <p:cNvPr id="3" name="Slide Number Placeholder 2"/>
+          <p:cNvSpPr>
+            <a:spLocks noGrp="1"/>
+          </p:cNvSpPr>
+          <p:nvPr>
+            <p:ph type="sldNum" sz="quarter" idx="12"/>
+          </p:nvPr>
+        </p:nvSpPr>
+        <p:spPr/>
+        <p:txBody>
           <a:bodyPr/>
           <a:lstStyle/>
           <a:p>
-            <a:endParaRPr lang="fr-CA" dirty="0"/>
+            <a:fld id="{E733B697-11A6-4686-A4B0-BC7222BD8556}" type="slidenum">
+              <a:rPr lang="en-CA" smtClean="0"/>
+              <a:t>9</a:t>
+            </a:fld>
+            <a:endParaRPr lang="en-CA"/>
           </a:p>
         </p:txBody>
       </p:sp>
     </p:spTree>
     <p:extLst>
       <p:ext uri="{BB962C8B-B14F-4D97-AF65-F5344CB8AC3E}">
-        <p14:creationId xmlns:p14="http://schemas.microsoft.com/office/powerpoint/2010/main" val="2021187838"/>
+        <p14:creationId xmlns:p14="http://schemas.microsoft.com/office/powerpoint/2010/main" val="2351537403"/>
       </p:ext>
     </p:extLst>
   </p:cSld>
@@ -7311,4 +9976,299 @@
     </a:ext>
   </a:extLst>
 </a:theme>
+</file>
+
+<file path=ppt/theme/theme2.xml><?xml version="1.0" encoding="utf-8"?>
+<a:theme xmlns:a="http://schemas.openxmlformats.org/drawingml/2006/main" name="Office Theme">
+  <a:themeElements>
+    <a:clrScheme name="Office">
+      <a:dk1>
+        <a:sysClr val="windowText" lastClr="000000"/>
+      </a:dk1>
+      <a:lt1>
+        <a:sysClr val="window" lastClr="FFFFFF"/>
+      </a:lt1>
+      <a:dk2>
+        <a:srgbClr val="44546A"/>
+      </a:dk2>
+      <a:lt2>
+        <a:srgbClr val="E7E6E6"/>
+      </a:lt2>
+      <a:accent1>
+        <a:srgbClr val="5B9BD5"/>
+      </a:accent1>
+      <a:accent2>
+        <a:srgbClr val="ED7D31"/>
+      </a:accent2>
+      <a:accent3>
+        <a:srgbClr val="A5A5A5"/>
+      </a:accent3>
+      <a:accent4>
+        <a:srgbClr val="FFC000"/>
+      </a:accent4>
+      <a:accent5>
+        <a:srgbClr val="4472C4"/>
+      </a:accent5>
+      <a:accent6>
+        <a:srgbClr val="70AD47"/>
+      </a:accent6>
+      <a:hlink>
+        <a:srgbClr val="0563C1"/>
+      </a:hlink>
+      <a:folHlink>
+        <a:srgbClr val="954F72"/>
+      </a:folHlink>
+    </a:clrScheme>
+    <a:fontScheme name="Office">
+      <a:majorFont>
+        <a:latin typeface="Calibri Light" panose="020F0302020204030204"/>
+        <a:ea typeface=""/>
+        <a:cs typeface=""/>
+        <a:font script="Jpan" typeface="游ゴシック Light"/>
+        <a:font script="Hang" typeface="맑은 고딕"/>
+        <a:font script="Hans" typeface="等线 Light"/>
+        <a:font script="Hant" typeface="新細明體"/>
+        <a:font script="Arab" typeface="Times New Roman"/>
+        <a:font script="Hebr" typeface="Times New Roman"/>
+        <a:font script="Thai" typeface="Angsana New"/>
+        <a:font script="Ethi" typeface="Nyala"/>
+        <a:font script="Beng" typeface="Vrinda"/>
+        <a:font script="Gujr" typeface="Shruti"/>
+        <a:font script="Khmr" typeface="MoolBoran"/>
+        <a:font script="Knda" typeface="Tunga"/>
+        <a:font script="Guru" typeface="Raavi"/>
+        <a:font script="Cans" typeface="Euphemia"/>
+        <a:font script="Cher" typeface="Plantagenet Cherokee"/>
+        <a:font script="Yiii" typeface="Microsoft Yi Baiti"/>
+        <a:font script="Tibt" typeface="Microsoft Himalaya"/>
+        <a:font script="Thaa" typeface="MV Boli"/>
+        <a:font script="Deva" typeface="Mangal"/>
+        <a:font script="Telu" typeface="Gautami"/>
+        <a:font script="Taml" typeface="Latha"/>
+        <a:font script="Syrc" typeface="Estrangelo Edessa"/>
+        <a:font script="Orya" typeface="Kalinga"/>
+        <a:font script="Mlym" typeface="Kartika"/>
+        <a:font script="Laoo" typeface="DokChampa"/>
+        <a:font script="Sinh" typeface="Iskoola Pota"/>
+        <a:font script="Mong" typeface="Mongolian Baiti"/>
+        <a:font script="Viet" typeface="Times New Roman"/>
+        <a:font script="Uigh" typeface="Microsoft Uighur"/>
+        <a:font script="Geor" typeface="Sylfaen"/>
+        <a:font script="Armn" typeface="Arial"/>
+        <a:font script="Bugi" typeface="Leelawadee UI"/>
+        <a:font script="Bopo" typeface="Microsoft JhengHei"/>
+        <a:font script="Java" typeface="Javanese Text"/>
+        <a:font script="Lisu" typeface="Segoe UI"/>
+        <a:font script="Mymr" typeface="Myanmar Text"/>
+        <a:font script="Nkoo" typeface="Ebrima"/>
+        <a:font script="Olck" typeface="Nirmala UI"/>
+        <a:font script="Osma" typeface="Ebrima"/>
+        <a:font script="Phag" typeface="Phagspa"/>
+        <a:font script="Syrn" typeface="Estrangelo Edessa"/>
+        <a:font script="Syrj" typeface="Estrangelo Edessa"/>
+        <a:font script="Syre" typeface="Estrangelo Edessa"/>
+        <a:font script="Sora" typeface="Nirmala UI"/>
+        <a:font script="Tale" typeface="Microsoft Tai Le"/>
+        <a:font script="Talu" typeface="Microsoft New Tai Lue"/>
+        <a:font script="Tfng" typeface="Ebrima"/>
+      </a:majorFont>
+      <a:minorFont>
+        <a:latin typeface="Calibri" panose="020F0502020204030204"/>
+        <a:ea typeface=""/>
+        <a:cs typeface=""/>
+        <a:font script="Jpan" typeface="游ゴシック"/>
+        <a:font script="Hang" typeface="맑은 고딕"/>
+        <a:font script="Hans" typeface="等线"/>
+        <a:font script="Hant" typeface="新細明體"/>
+        <a:font script="Arab" typeface="Arial"/>
+        <a:font script="Hebr" typeface="Arial"/>
+        <a:font script="Thai" typeface="Cordia New"/>
+        <a:font script="Ethi" typeface="Nyala"/>
+        <a:font script="Beng" typeface="Vrinda"/>
+        <a:font script="Gujr" typeface="Shruti"/>
+        <a:font script="Khmr" typeface="DaunPenh"/>
+        <a:font script="Knda" typeface="Tunga"/>
+        <a:font script="Guru" typeface="Raavi"/>
+        <a:font script="Cans" typeface="Euphemia"/>
+        <a:font script="Cher" typeface="Plantagenet Cherokee"/>
+        <a:font script="Yiii" typeface="Microsoft Yi Baiti"/>
+        <a:font script="Tibt" typeface="Microsoft Himalaya"/>
+        <a:font script="Thaa" typeface="MV Boli"/>
+        <a:font script="Deva" typeface="Mangal"/>
+        <a:font script="Telu" typeface="Gautami"/>
+        <a:font script="Taml" typeface="Latha"/>
+        <a:font script="Syrc" typeface="Estrangelo Edessa"/>
+        <a:font script="Orya" typeface="Kalinga"/>
+        <a:font script="Mlym" typeface="Kartika"/>
+        <a:font script="Laoo" typeface="DokChampa"/>
+        <a:font script="Sinh" typeface="Iskoola Pota"/>
+        <a:font script="Mong" typeface="Mongolian Baiti"/>
+        <a:font script="Viet" typeface="Arial"/>
+        <a:font script="Uigh" typeface="Microsoft Uighur"/>
+        <a:font script="Geor" typeface="Sylfaen"/>
+        <a:font script="Armn" typeface="Arial"/>
+        <a:font script="Bugi" typeface="Leelawadee UI"/>
+        <a:font script="Bopo" typeface="Microsoft JhengHei"/>
+        <a:font script="Java" typeface="Javanese Text"/>
+        <a:font script="Lisu" typeface="Segoe UI"/>
+        <a:font script="Mymr" typeface="Myanmar Text"/>
+        <a:font script="Nkoo" typeface="Ebrima"/>
+        <a:font script="Olck" typeface="Nirmala UI"/>
+        <a:font script="Osma" typeface="Ebrima"/>
+        <a:font script="Phag" typeface="Phagspa"/>
+        <a:font script="Syrn" typeface="Estrangelo Edessa"/>
+        <a:font script="Syrj" typeface="Estrangelo Edessa"/>
+        <a:font script="Syre" typeface="Estrangelo Edessa"/>
+        <a:font script="Sora" typeface="Nirmala UI"/>
+        <a:font script="Tale" typeface="Microsoft Tai Le"/>
+        <a:font script="Talu" typeface="Microsoft New Tai Lue"/>
+        <a:font script="Tfng" typeface="Ebrima"/>
+      </a:minorFont>
+    </a:fontScheme>
+    <a:fmtScheme name="Office">
+      <a:fillStyleLst>
+        <a:solidFill>
+          <a:schemeClr val="phClr"/>
+        </a:solidFill>
+        <a:gradFill rotWithShape="1">
+          <a:gsLst>
+            <a:gs pos="0">
+              <a:schemeClr val="phClr">
+                <a:lumMod val="110000"/>
+                <a:satMod val="105000"/>
+                <a:tint val="67000"/>
+              </a:schemeClr>
+            </a:gs>
+            <a:gs pos="50000">
+              <a:schemeClr val="phClr">
+                <a:lumMod val="105000"/>
+                <a:satMod val="103000"/>
+                <a:tint val="73000"/>
+              </a:schemeClr>
+            </a:gs>
+            <a:gs pos="100000">
+              <a:schemeClr val="phClr">
+                <a:lumMod val="105000"/>
+                <a:satMod val="109000"/>
+                <a:tint val="81000"/>
+              </a:schemeClr>
+            </a:gs>
+          </a:gsLst>
+          <a:lin ang="5400000" scaled="0"/>
+        </a:gradFill>
+        <a:gradFill rotWithShape="1">
+          <a:gsLst>
+            <a:gs pos="0">
+              <a:schemeClr val="phClr">
+                <a:satMod val="103000"/>
+                <a:lumMod val="102000"/>
+                <a:tint val="94000"/>
+              </a:schemeClr>
+            </a:gs>
+            <a:gs pos="50000">
+              <a:schemeClr val="phClr">
+                <a:satMod val="110000"/>
+                <a:lumMod val="100000"/>
+                <a:shade val="100000"/>
+              </a:schemeClr>
+            </a:gs>
+            <a:gs pos="100000">
+              <a:schemeClr val="phClr">
+                <a:lumMod val="99000"/>
+                <a:satMod val="120000"/>
+                <a:shade val="78000"/>
+              </a:schemeClr>
+            </a:gs>
+          </a:gsLst>
+          <a:lin ang="5400000" scaled="0"/>
+        </a:gradFill>
+      </a:fillStyleLst>
+      <a:lnStyleLst>
+        <a:ln w="6350" cap="flat" cmpd="sng" algn="ctr">
+          <a:solidFill>
+            <a:schemeClr val="phClr"/>
+          </a:solidFill>
+          <a:prstDash val="solid"/>
+          <a:miter lim="800000"/>
+        </a:ln>
+        <a:ln w="12700" cap="flat" cmpd="sng" algn="ctr">
+          <a:solidFill>
+            <a:schemeClr val="phClr"/>
+          </a:solidFill>
+          <a:prstDash val="solid"/>
+          <a:miter lim="800000"/>
+        </a:ln>
+        <a:ln w="19050" cap="flat" cmpd="sng" algn="ctr">
+          <a:solidFill>
+            <a:schemeClr val="phClr"/>
+          </a:solidFill>
+          <a:prstDash val="solid"/>
+          <a:miter lim="800000"/>
+        </a:ln>
+      </a:lnStyleLst>
+      <a:effectStyleLst>
+        <a:effectStyle>
+          <a:effectLst/>
+        </a:effectStyle>
+        <a:effectStyle>
+          <a:effectLst/>
+        </a:effectStyle>
+        <a:effectStyle>
+          <a:effectLst>
+            <a:outerShdw blurRad="57150" dist="19050" dir="5400000" algn="ctr" rotWithShape="0">
+              <a:srgbClr val="000000">
+                <a:alpha val="63000"/>
+              </a:srgbClr>
+            </a:outerShdw>
+          </a:effectLst>
+        </a:effectStyle>
+      </a:effectStyleLst>
+      <a:bgFillStyleLst>
+        <a:solidFill>
+          <a:schemeClr val="phClr"/>
+        </a:solidFill>
+        <a:solidFill>
+          <a:schemeClr val="phClr">
+            <a:tint val="95000"/>
+            <a:satMod val="170000"/>
+          </a:schemeClr>
+        </a:solidFill>
+        <a:gradFill rotWithShape="1">
+          <a:gsLst>
+            <a:gs pos="0">
+              <a:schemeClr val="phClr">
+                <a:tint val="93000"/>
+                <a:satMod val="150000"/>
+                <a:shade val="98000"/>
+                <a:lumMod val="102000"/>
+              </a:schemeClr>
+            </a:gs>
+            <a:gs pos="50000">
+              <a:schemeClr val="phClr">
+                <a:tint val="98000"/>
+                <a:satMod val="130000"/>
+                <a:shade val="90000"/>
+                <a:lumMod val="103000"/>
+              </a:schemeClr>
+            </a:gs>
+            <a:gs pos="100000">
+              <a:schemeClr val="phClr">
+                <a:shade val="63000"/>
+                <a:satMod val="120000"/>
+              </a:schemeClr>
+            </a:gs>
+          </a:gsLst>
+          <a:lin ang="5400000" scaled="0"/>
+        </a:gradFill>
+      </a:bgFillStyleLst>
+    </a:fmtScheme>
+  </a:themeElements>
+  <a:objectDefaults/>
+  <a:extraClrSchemeLst/>
+  <a:extLst>
+    <a:ext uri="{05A4C25C-085E-4340-85A3-A5531E510DB2}">
+      <thm15:themeFamily xmlns:thm15="http://schemas.microsoft.com/office/thememl/2012/main" name="Office Theme" id="{62F939B6-93AF-4DB8-9C6B-D6C7DFDC589F}" vid="{4A3C46E8-61CC-4603-A589-7422A47A8E4A}"/>
+    </a:ext>
+  </a:extLst>
+</a:theme>
 </file>